--- a/PrezentaciaMC.pptx
+++ b/PrezentaciaMC.pptx
@@ -10,12 +10,15 @@
     <p:sldId id="258" r:id="rId4"/>
     <p:sldId id="259" r:id="rId5"/>
     <p:sldId id="260" r:id="rId6"/>
-    <p:sldId id="270" r:id="rId7"/>
-    <p:sldId id="261" r:id="rId8"/>
+    <p:sldId id="261" r:id="rId7"/>
+    <p:sldId id="271" r:id="rId8"/>
     <p:sldId id="262" r:id="rId9"/>
     <p:sldId id="269" r:id="rId10"/>
-    <p:sldId id="263" r:id="rId11"/>
-    <p:sldId id="265" r:id="rId12"/>
+    <p:sldId id="270" r:id="rId11"/>
+    <p:sldId id="263" r:id="rId12"/>
+    <p:sldId id="272" r:id="rId13"/>
+    <p:sldId id="265" r:id="rId14"/>
+    <p:sldId id="273" r:id="rId15"/>
   </p:sldIdLst>
   <p:sldSz cx="9144000" cy="6858000" type="screen4x3"/>
   <p:notesSz cx="6858000" cy="9144000"/>
@@ -927,7 +930,7 @@
           <a:p>
             <a:fld id="{BF92E2F3-A957-4897-AE39-228CC061DCDB}" type="datetimeFigureOut">
               <a:rPr lang="sk-SK" smtClean="0"/>
-              <a:t>21. 6. 2015</a:t>
+              <a:t>26. 6. 2015</a:t>
             </a:fld>
             <a:endParaRPr lang="sk-SK" dirty="0"/>
           </a:p>
@@ -1178,7 +1181,7 @@
           <a:p>
             <a:fld id="{BF92E2F3-A957-4897-AE39-228CC061DCDB}" type="datetimeFigureOut">
               <a:rPr lang="sk-SK" smtClean="0"/>
-              <a:t>21. 6. 2015</a:t>
+              <a:t>26. 6. 2015</a:t>
             </a:fld>
             <a:endParaRPr lang="sk-SK" dirty="0"/>
           </a:p>
@@ -1492,7 +1495,7 @@
           <a:p>
             <a:fld id="{BF92E2F3-A957-4897-AE39-228CC061DCDB}" type="datetimeFigureOut">
               <a:rPr lang="sk-SK" smtClean="0"/>
-              <a:t>21. 6. 2015</a:t>
+              <a:t>26. 6. 2015</a:t>
             </a:fld>
             <a:endParaRPr lang="sk-SK" dirty="0"/>
           </a:p>
@@ -1825,7 +1828,7 @@
           <a:p>
             <a:fld id="{BF92E2F3-A957-4897-AE39-228CC061DCDB}" type="datetimeFigureOut">
               <a:rPr lang="sk-SK" smtClean="0"/>
-              <a:t>21. 6. 2015</a:t>
+              <a:t>26. 6. 2015</a:t>
             </a:fld>
             <a:endParaRPr lang="sk-SK" dirty="0"/>
           </a:p>
@@ -2139,7 +2142,7 @@
           <a:p>
             <a:fld id="{BF92E2F3-A957-4897-AE39-228CC061DCDB}" type="datetimeFigureOut">
               <a:rPr lang="sk-SK" smtClean="0"/>
-              <a:t>21. 6. 2015</a:t>
+              <a:t>26. 6. 2015</a:t>
             </a:fld>
             <a:endParaRPr lang="sk-SK" dirty="0"/>
           </a:p>
@@ -2532,7 +2535,7 @@
           <a:p>
             <a:fld id="{BF92E2F3-A957-4897-AE39-228CC061DCDB}" type="datetimeFigureOut">
               <a:rPr lang="sk-SK" smtClean="0"/>
-              <a:t>21. 6. 2015</a:t>
+              <a:t>26. 6. 2015</a:t>
             </a:fld>
             <a:endParaRPr lang="sk-SK" dirty="0"/>
           </a:p>
@@ -2702,7 +2705,7 @@
           <a:p>
             <a:fld id="{BF92E2F3-A957-4897-AE39-228CC061DCDB}" type="datetimeFigureOut">
               <a:rPr lang="sk-SK" smtClean="0"/>
-              <a:t>21. 6. 2015</a:t>
+              <a:t>26. 6. 2015</a:t>
             </a:fld>
             <a:endParaRPr lang="sk-SK" dirty="0"/>
           </a:p>
@@ -2882,7 +2885,7 @@
           <a:p>
             <a:fld id="{BF92E2F3-A957-4897-AE39-228CC061DCDB}" type="datetimeFigureOut">
               <a:rPr lang="sk-SK" smtClean="0"/>
-              <a:t>21. 6. 2015</a:t>
+              <a:t>26. 6. 2015</a:t>
             </a:fld>
             <a:endParaRPr lang="sk-SK" dirty="0"/>
           </a:p>
@@ -3052,7 +3055,7 @@
           <a:p>
             <a:fld id="{BF92E2F3-A957-4897-AE39-228CC061DCDB}" type="datetimeFigureOut">
               <a:rPr lang="sk-SK" smtClean="0"/>
-              <a:t>21. 6. 2015</a:t>
+              <a:t>26. 6. 2015</a:t>
             </a:fld>
             <a:endParaRPr lang="sk-SK" dirty="0"/>
           </a:p>
@@ -3299,7 +3302,7 @@
           <a:p>
             <a:fld id="{BF92E2F3-A957-4897-AE39-228CC061DCDB}" type="datetimeFigureOut">
               <a:rPr lang="sk-SK" smtClean="0"/>
-              <a:t>21. 6. 2015</a:t>
+              <a:t>26. 6. 2015</a:t>
             </a:fld>
             <a:endParaRPr lang="sk-SK" dirty="0"/>
           </a:p>
@@ -3596,7 +3599,7 @@
           <a:p>
             <a:fld id="{BF92E2F3-A957-4897-AE39-228CC061DCDB}" type="datetimeFigureOut">
               <a:rPr lang="sk-SK" smtClean="0"/>
-              <a:t>21. 6. 2015</a:t>
+              <a:t>26. 6. 2015</a:t>
             </a:fld>
             <a:endParaRPr lang="sk-SK" dirty="0"/>
           </a:p>
@@ -3975,7 +3978,7 @@
           <a:p>
             <a:fld id="{BF92E2F3-A957-4897-AE39-228CC061DCDB}" type="datetimeFigureOut">
               <a:rPr lang="sk-SK" smtClean="0"/>
-              <a:t>21. 6. 2015</a:t>
+              <a:t>26. 6. 2015</a:t>
             </a:fld>
             <a:endParaRPr lang="sk-SK" dirty="0"/>
           </a:p>
@@ -4098,7 +4101,7 @@
           <a:p>
             <a:fld id="{BF92E2F3-A957-4897-AE39-228CC061DCDB}" type="datetimeFigureOut">
               <a:rPr lang="sk-SK" smtClean="0"/>
-              <a:t>21. 6. 2015</a:t>
+              <a:t>26. 6. 2015</a:t>
             </a:fld>
             <a:endParaRPr lang="sk-SK" dirty="0"/>
           </a:p>
@@ -4193,7 +4196,7 @@
           <a:p>
             <a:fld id="{BF92E2F3-A957-4897-AE39-228CC061DCDB}" type="datetimeFigureOut">
               <a:rPr lang="sk-SK" smtClean="0"/>
-              <a:t>21. 6. 2015</a:t>
+              <a:t>26. 6. 2015</a:t>
             </a:fld>
             <a:endParaRPr lang="sk-SK" dirty="0"/>
           </a:p>
@@ -4448,7 +4451,7 @@
           <a:p>
             <a:fld id="{BF92E2F3-A957-4897-AE39-228CC061DCDB}" type="datetimeFigureOut">
               <a:rPr lang="sk-SK" smtClean="0"/>
-              <a:t>21. 6. 2015</a:t>
+              <a:t>26. 6. 2015</a:t>
             </a:fld>
             <a:endParaRPr lang="sk-SK" dirty="0"/>
           </a:p>
@@ -4711,7 +4714,7 @@
           <a:p>
             <a:fld id="{BF92E2F3-A957-4897-AE39-228CC061DCDB}" type="datetimeFigureOut">
               <a:rPr lang="sk-SK" smtClean="0"/>
-              <a:t>21. 6. 2015</a:t>
+              <a:t>26. 6. 2015</a:t>
             </a:fld>
             <a:endParaRPr lang="sk-SK" dirty="0"/>
           </a:p>
@@ -5525,7 +5528,7 @@
           <a:p>
             <a:fld id="{BF92E2F3-A957-4897-AE39-228CC061DCDB}" type="datetimeFigureOut">
               <a:rPr lang="sk-SK" smtClean="0"/>
-              <a:t>21. 6. 2015</a:t>
+              <a:t>26. 6. 2015</a:t>
             </a:fld>
             <a:endParaRPr lang="sk-SK" dirty="0"/>
           </a:p>
@@ -6429,10 +6432,10 @@
           <a:lstStyle/>
           <a:p>
             <a:r>
-              <a:rPr lang="sk-SK" smtClean="0"/>
-              <a:t>Grafy a mapy</a:t>
-            </a:r>
-            <a:endParaRPr lang="sk-SK"/>
+              <a:rPr lang="sk-SK" dirty="0" smtClean="0"/>
+              <a:t>Web</a:t>
+            </a:r>
+            <a:endParaRPr lang="sk-SK" dirty="0"/>
           </a:p>
         </p:txBody>
       </p:sp>
@@ -6448,17 +6451,157 @@
         </p:nvSpPr>
         <p:spPr/>
         <p:txBody>
-          <a:bodyPr/>
+          <a:bodyPr>
+            <a:normAutofit/>
+          </a:bodyPr>
           <a:lstStyle/>
           <a:p>
-            <a:endParaRPr lang="sk-SK"/>
-          </a:p>
-        </p:txBody>
-      </p:sp>
+            <a:r>
+              <a:rPr lang="en" dirty="0" smtClean="0"/>
+              <a:t>Školský </a:t>
+            </a:r>
+            <a:r>
+              <a:rPr lang="en" dirty="0"/>
+              <a:t>Apache účet na kore.fi.muni.cz</a:t>
+            </a:r>
+          </a:p>
+          <a:p>
+            <a:pPr lvl="0"/>
+            <a:r>
+              <a:rPr lang="en" dirty="0"/>
+              <a:t>Prístupný zo siete </a:t>
+            </a:r>
+            <a:r>
+              <a:rPr lang="en" dirty="0" smtClean="0"/>
+              <a:t>MUNI</a:t>
+            </a:r>
+            <a:endParaRPr lang="cs-CZ" dirty="0" smtClean="0"/>
+          </a:p>
+          <a:p>
+            <a:pPr lvl="0"/>
+            <a:r>
+              <a:rPr lang="en" dirty="0"/>
+              <a:t>Správa inštancií</a:t>
+            </a:r>
+            <a:r>
+              <a:rPr lang="en" dirty="0" smtClean="0"/>
+              <a:t>:</a:t>
+            </a:r>
+            <a:endParaRPr lang="cs-CZ" dirty="0" smtClean="0"/>
+          </a:p>
+          <a:p>
+            <a:pPr marL="584200" lvl="1" indent="0">
+              <a:lnSpc>
+                <a:spcPct val="115000"/>
+              </a:lnSpc>
+              <a:spcBef>
+                <a:spcPts val="0"/>
+              </a:spcBef>
+              <a:spcAft>
+                <a:spcPts val="1000"/>
+              </a:spcAft>
+              <a:buClr>
+                <a:schemeClr val="dk1"/>
+              </a:buClr>
+              <a:buSzPct val="100000"/>
+              <a:buNone/>
+            </a:pPr>
+            <a:r>
+              <a:rPr lang="en" i="1" dirty="0"/>
+              <a:t>scp PB138_project.war xborcin@kore.fi.muni.cz:/opt/apache-tomcat/instances/xborcin/webapps</a:t>
+            </a:r>
+          </a:p>
+          <a:p>
+            <a:pPr marL="584200" lvl="1" indent="0">
+              <a:lnSpc>
+                <a:spcPct val="115000"/>
+              </a:lnSpc>
+              <a:spcBef>
+                <a:spcPts val="0"/>
+              </a:spcBef>
+              <a:buClr>
+                <a:schemeClr val="dk1"/>
+              </a:buClr>
+              <a:buSzPct val="100000"/>
+              <a:buNone/>
+            </a:pPr>
+            <a:r>
+              <a:rPr lang="en" i="1" dirty="0"/>
+              <a:t>./startInstance.sh xborcin</a:t>
+            </a:r>
+          </a:p>
+          <a:p>
+            <a:pPr lvl="1"/>
+            <a:endParaRPr lang="cs-CZ" dirty="0"/>
+          </a:p>
+          <a:p>
+            <a:pPr lvl="1"/>
+            <a:endParaRPr lang="cs-CZ" dirty="0" smtClean="0"/>
+          </a:p>
+          <a:p>
+            <a:pPr lvl="0"/>
+            <a:endParaRPr lang="cs-CZ" dirty="0" smtClean="0"/>
+          </a:p>
+          <a:p>
+            <a:pPr marL="38100" lvl="0" indent="0">
+              <a:lnSpc>
+                <a:spcPct val="150000"/>
+              </a:lnSpc>
+              <a:spcBef>
+                <a:spcPts val="0"/>
+              </a:spcBef>
+              <a:buClr>
+                <a:schemeClr val="dk1"/>
+              </a:buClr>
+              <a:buSzPct val="100000"/>
+              <a:buNone/>
+            </a:pPr>
+            <a:endParaRPr lang="en" dirty="0"/>
+          </a:p>
+          <a:p>
+            <a:endParaRPr lang="sk-SK" dirty="0"/>
+          </a:p>
+        </p:txBody>
+      </p:sp>
+      <p:pic>
+        <p:nvPicPr>
+          <p:cNvPr id="4" name="Shape 74"/>
+          <p:cNvPicPr preferRelativeResize="0"/>
+          <p:nvPr/>
+        </p:nvPicPr>
+        <p:blipFill>
+          <a:blip r:embed="rId2">
+            <a:alphaModFix/>
+          </a:blip>
+          <a:stretch>
+            <a:fillRect/>
+          </a:stretch>
+        </p:blipFill>
+        <p:spPr>
+          <a:xfrm>
+            <a:off x="467544" y="4941168"/>
+            <a:ext cx="6424684" cy="1498166"/>
+          </a:xfrm>
+          <a:prstGeom prst="rect">
+            <a:avLst/>
+          </a:prstGeom>
+          <a:noFill/>
+          <a:ln>
+            <a:noFill/>
+          </a:ln>
+          <a:effectLst>
+            <a:outerShdw blurRad="50800" dist="38100" dir="2700000" algn="tl" rotWithShape="0">
+              <a:prstClr val="black">
+                <a:alpha val="40000"/>
+              </a:prstClr>
+            </a:outerShdw>
+          </a:effectLst>
+        </p:spPr>
+      </p:pic>
     </p:spTree>
     <p:extLst>
       <p:ext uri="{BB962C8B-B14F-4D97-AF65-F5344CB8AC3E}">
-        <p14:creationId xmlns:p14="http://schemas.microsoft.com/office/powerpoint/2010/main" val="3768783923"/>
+        <p14:creationId xmlns:p14="http://schemas.microsoft.com/office/powerpoint/2010/main" val="1432600951"/>
       </p:ext>
     </p:extLst>
   </p:cSld>
@@ -6508,21 +6651,459 @@
           <a:lstStyle/>
           <a:p>
             <a:r>
-              <a:rPr lang="sk-SK" smtClean="0"/>
-              <a:t>Záver</a:t>
-            </a:r>
-            <a:endParaRPr lang="sk-SK"/>
-          </a:p>
-        </p:txBody>
-      </p:sp>
-      <p:sp>
-        <p:nvSpPr>
-          <p:cNvPr id="3" name="Zástupný symbol obsahu 2"/>
-          <p:cNvSpPr>
-            <a:spLocks noGrp="1"/>
-          </p:cNvSpPr>
+              <a:rPr lang="sk-SK" dirty="0" smtClean="0"/>
+              <a:t>Vizualizácia dát</a:t>
+            </a:r>
+            <a:endParaRPr lang="sk-SK" dirty="0"/>
+          </a:p>
+        </p:txBody>
+      </p:sp>
+      <p:pic>
+        <p:nvPicPr>
+          <p:cNvPr id="5" name="Zástupný symbol pro obsah 4"/>
+          <p:cNvPicPr>
+            <a:picLocks noGrp="1" noChangeAspect="1"/>
+          </p:cNvPicPr>
           <p:nvPr>
             <p:ph idx="1"/>
+          </p:nvPr>
+        </p:nvPicPr>
+        <p:blipFill>
+          <a:blip r:embed="rId2">
+            <a:extLst>
+              <a:ext uri="{28A0092B-C50C-407E-A947-70E740481C1C}">
+                <a14:useLocalDpi xmlns:a14="http://schemas.microsoft.com/office/drawing/2010/main" val="0"/>
+              </a:ext>
+            </a:extLst>
+          </a:blip>
+          <a:stretch>
+            <a:fillRect/>
+          </a:stretch>
+        </p:blipFill>
+        <p:spPr>
+          <a:xfrm>
+            <a:off x="179512" y="1340768"/>
+            <a:ext cx="6348413" cy="2202159"/>
+          </a:xfrm>
+        </p:spPr>
+      </p:pic>
+      <p:pic>
+        <p:nvPicPr>
+          <p:cNvPr id="6" name="Obrázek 5"/>
+          <p:cNvPicPr>
+            <a:picLocks noChangeAspect="1"/>
+          </p:cNvPicPr>
+          <p:nvPr/>
+        </p:nvPicPr>
+        <p:blipFill>
+          <a:blip r:embed="rId3">
+            <a:extLst>
+              <a:ext uri="{28A0092B-C50C-407E-A947-70E740481C1C}">
+                <a14:useLocalDpi xmlns:a14="http://schemas.microsoft.com/office/drawing/2010/main" val="0"/>
+              </a:ext>
+            </a:extLst>
+          </a:blip>
+          <a:stretch>
+            <a:fillRect/>
+          </a:stretch>
+        </p:blipFill>
+        <p:spPr>
+          <a:xfrm>
+            <a:off x="1907704" y="4077072"/>
+            <a:ext cx="5449060" cy="2295845"/>
+          </a:xfrm>
+          <a:prstGeom prst="rect">
+            <a:avLst/>
+          </a:prstGeom>
+          <a:effectLst>
+            <a:glow rad="139700">
+              <a:schemeClr val="accent2">
+                <a:satMod val="175000"/>
+                <a:alpha val="40000"/>
+              </a:schemeClr>
+            </a:glow>
+          </a:effectLst>
+        </p:spPr>
+      </p:pic>
+    </p:spTree>
+    <p:extLst>
+      <p:ext uri="{BB962C8B-B14F-4D97-AF65-F5344CB8AC3E}">
+        <p14:creationId xmlns:p14="http://schemas.microsoft.com/office/powerpoint/2010/main" val="3768783923"/>
+      </p:ext>
+    </p:extLst>
+  </p:cSld>
+  <p:clrMapOvr>
+    <a:masterClrMapping/>
+  </p:clrMapOvr>
+  <p:timing>
+    <p:tnLst>
+      <p:par>
+        <p:cTn id="1" dur="indefinite" restart="never" nodeType="tmRoot"/>
+      </p:par>
+    </p:tnLst>
+  </p:timing>
+</p:sld>
+</file>
+
+<file path=ppt/slides/slide12.xml><?xml version="1.0" encoding="utf-8"?>
+<p:sld xmlns:a="http://schemas.openxmlformats.org/drawingml/2006/main" xmlns:r="http://schemas.openxmlformats.org/officeDocument/2006/relationships" xmlns:p="http://schemas.openxmlformats.org/presentationml/2006/main">
+  <p:cSld>
+    <p:spTree>
+      <p:nvGrpSpPr>
+        <p:cNvPr id="1" name=""/>
+        <p:cNvGrpSpPr/>
+        <p:nvPr/>
+      </p:nvGrpSpPr>
+      <p:grpSpPr>
+        <a:xfrm>
+          <a:off x="0" y="0"/>
+          <a:ext cx="0" cy="0"/>
+          <a:chOff x="0" y="0"/>
+          <a:chExt cx="0" cy="0"/>
+        </a:xfrm>
+      </p:grpSpPr>
+      <p:sp>
+        <p:nvSpPr>
+          <p:cNvPr id="2" name="Nadpis 1"/>
+          <p:cNvSpPr txBox="1">
+            <a:spLocks/>
+          </p:cNvSpPr>
+          <p:nvPr/>
+        </p:nvSpPr>
+        <p:spPr>
+          <a:xfrm>
+            <a:off x="609599" y="609600"/>
+            <a:ext cx="6347713" cy="1320800"/>
+          </a:xfrm>
+          <a:prstGeom prst="rect">
+            <a:avLst/>
+          </a:prstGeom>
+        </p:spPr>
+        <p:txBody>
+          <a:bodyPr/>
+          <a:lstStyle>
+            <a:lvl1pPr algn="l" defTabSz="457200" rtl="0" eaLnBrk="1" latinLnBrk="0" hangingPunct="1">
+              <a:spcBef>
+                <a:spcPct val="0"/>
+              </a:spcBef>
+              <a:buNone/>
+              <a:defRPr sz="3600" kern="1200">
+                <a:solidFill>
+                  <a:schemeClr val="accent1"/>
+                </a:solidFill>
+                <a:latin typeface="+mj-lt"/>
+                <a:ea typeface="+mj-ea"/>
+                <a:cs typeface="+mj-cs"/>
+              </a:defRPr>
+            </a:lvl1pPr>
+            <a:lvl2pPr eaLnBrk="1" hangingPunct="1">
+              <a:defRPr>
+                <a:solidFill>
+                  <a:schemeClr val="tx2"/>
+                </a:solidFill>
+              </a:defRPr>
+            </a:lvl2pPr>
+            <a:lvl3pPr eaLnBrk="1" hangingPunct="1">
+              <a:defRPr>
+                <a:solidFill>
+                  <a:schemeClr val="tx2"/>
+                </a:solidFill>
+              </a:defRPr>
+            </a:lvl3pPr>
+            <a:lvl4pPr eaLnBrk="1" hangingPunct="1">
+              <a:defRPr>
+                <a:solidFill>
+                  <a:schemeClr val="tx2"/>
+                </a:solidFill>
+              </a:defRPr>
+            </a:lvl4pPr>
+            <a:lvl5pPr eaLnBrk="1" hangingPunct="1">
+              <a:defRPr>
+                <a:solidFill>
+                  <a:schemeClr val="tx2"/>
+                </a:solidFill>
+              </a:defRPr>
+            </a:lvl5pPr>
+            <a:lvl6pPr eaLnBrk="1" hangingPunct="1">
+              <a:defRPr>
+                <a:solidFill>
+                  <a:schemeClr val="tx2"/>
+                </a:solidFill>
+              </a:defRPr>
+            </a:lvl6pPr>
+            <a:lvl7pPr eaLnBrk="1" hangingPunct="1">
+              <a:defRPr>
+                <a:solidFill>
+                  <a:schemeClr val="tx2"/>
+                </a:solidFill>
+              </a:defRPr>
+            </a:lvl7pPr>
+            <a:lvl8pPr eaLnBrk="1" hangingPunct="1">
+              <a:defRPr>
+                <a:solidFill>
+                  <a:schemeClr val="tx2"/>
+                </a:solidFill>
+              </a:defRPr>
+            </a:lvl8pPr>
+            <a:lvl9pPr eaLnBrk="1" hangingPunct="1">
+              <a:defRPr>
+                <a:solidFill>
+                  <a:schemeClr val="tx2"/>
+                </a:solidFill>
+              </a:defRPr>
+            </a:lvl9pPr>
+          </a:lstStyle>
+          <a:p>
+            <a:r>
+              <a:rPr lang="sk-SK" dirty="0" smtClean="0"/>
+              <a:t>Použité nástroje</a:t>
+            </a:r>
+            <a:endParaRPr lang="sk-SK" dirty="0"/>
+          </a:p>
+        </p:txBody>
+      </p:sp>
+      <p:pic>
+        <p:nvPicPr>
+          <p:cNvPr id="3" name="Shape 103"/>
+          <p:cNvPicPr preferRelativeResize="0"/>
+          <p:nvPr/>
+        </p:nvPicPr>
+        <p:blipFill>
+          <a:blip r:embed="rId2">
+            <a:alphaModFix/>
+          </a:blip>
+          <a:stretch>
+            <a:fillRect/>
+          </a:stretch>
+        </p:blipFill>
+        <p:spPr>
+          <a:xfrm>
+            <a:off x="323528" y="1748595"/>
+            <a:ext cx="3536824" cy="756550"/>
+          </a:xfrm>
+          <a:prstGeom prst="rect">
+            <a:avLst/>
+          </a:prstGeom>
+          <a:noFill/>
+          <a:ln>
+            <a:noFill/>
+          </a:ln>
+        </p:spPr>
+      </p:pic>
+      <p:pic>
+        <p:nvPicPr>
+          <p:cNvPr id="4" name="Shape 104"/>
+          <p:cNvPicPr preferRelativeResize="0"/>
+          <p:nvPr/>
+        </p:nvPicPr>
+        <p:blipFill>
+          <a:blip r:embed="rId3">
+            <a:alphaModFix/>
+          </a:blip>
+          <a:stretch>
+            <a:fillRect/>
+          </a:stretch>
+        </p:blipFill>
+        <p:spPr>
+          <a:xfrm>
+            <a:off x="2339752" y="5517232"/>
+            <a:ext cx="2473269" cy="857400"/>
+          </a:xfrm>
+          <a:prstGeom prst="rect">
+            <a:avLst/>
+          </a:prstGeom>
+          <a:noFill/>
+          <a:ln>
+            <a:noFill/>
+          </a:ln>
+        </p:spPr>
+      </p:pic>
+      <p:pic>
+        <p:nvPicPr>
+          <p:cNvPr id="5" name="Shape 100"/>
+          <p:cNvPicPr preferRelativeResize="0"/>
+          <p:nvPr/>
+        </p:nvPicPr>
+        <p:blipFill>
+          <a:blip r:embed="rId4">
+            <a:alphaModFix/>
+          </a:blip>
+          <a:stretch>
+            <a:fillRect/>
+          </a:stretch>
+        </p:blipFill>
+        <p:spPr>
+          <a:xfrm>
+            <a:off x="3114518" y="3218377"/>
+            <a:ext cx="1337874" cy="1337874"/>
+          </a:xfrm>
+          <a:prstGeom prst="rect">
+            <a:avLst/>
+          </a:prstGeom>
+          <a:noFill/>
+          <a:ln>
+            <a:noFill/>
+          </a:ln>
+        </p:spPr>
+      </p:pic>
+      <p:pic>
+        <p:nvPicPr>
+          <p:cNvPr id="6" name="Shape 102"/>
+          <p:cNvPicPr preferRelativeResize="0"/>
+          <p:nvPr/>
+        </p:nvPicPr>
+        <p:blipFill rotWithShape="1">
+          <a:blip r:embed="rId5">
+            <a:alphaModFix/>
+          </a:blip>
+          <a:srcRect b="22466"/>
+          <a:stretch/>
+        </p:blipFill>
+        <p:spPr>
+          <a:xfrm>
+            <a:off x="717840" y="4278568"/>
+            <a:ext cx="2012249" cy="936104"/>
+          </a:xfrm>
+          <a:prstGeom prst="rect">
+            <a:avLst/>
+          </a:prstGeom>
+          <a:noFill/>
+          <a:ln>
+            <a:noFill/>
+          </a:ln>
+        </p:spPr>
+      </p:pic>
+      <p:pic>
+        <p:nvPicPr>
+          <p:cNvPr id="7" name="Shape 105"/>
+          <p:cNvPicPr preferRelativeResize="0"/>
+          <p:nvPr/>
+        </p:nvPicPr>
+        <p:blipFill>
+          <a:blip r:embed="rId6">
+            <a:alphaModFix/>
+          </a:blip>
+          <a:stretch>
+            <a:fillRect/>
+          </a:stretch>
+        </p:blipFill>
+        <p:spPr>
+          <a:xfrm>
+            <a:off x="5436096" y="4365104"/>
+            <a:ext cx="1466812" cy="977875"/>
+          </a:xfrm>
+          <a:prstGeom prst="rect">
+            <a:avLst/>
+          </a:prstGeom>
+          <a:noFill/>
+          <a:ln>
+            <a:noFill/>
+          </a:ln>
+        </p:spPr>
+      </p:pic>
+      <p:pic>
+        <p:nvPicPr>
+          <p:cNvPr id="8" name="Shape 101"/>
+          <p:cNvPicPr preferRelativeResize="0"/>
+          <p:nvPr/>
+        </p:nvPicPr>
+        <p:blipFill>
+          <a:blip r:embed="rId7">
+            <a:alphaModFix/>
+          </a:blip>
+          <a:stretch>
+            <a:fillRect/>
+          </a:stretch>
+        </p:blipFill>
+        <p:spPr>
+          <a:xfrm>
+            <a:off x="637063" y="2869657"/>
+            <a:ext cx="2245125" cy="977874"/>
+          </a:xfrm>
+          <a:prstGeom prst="rect">
+            <a:avLst/>
+          </a:prstGeom>
+          <a:noFill/>
+          <a:ln>
+            <a:noFill/>
+          </a:ln>
+        </p:spPr>
+      </p:pic>
+      <p:pic>
+        <p:nvPicPr>
+          <p:cNvPr id="9" name="Obrázok 2"/>
+          <p:cNvPicPr>
+            <a:picLocks noChangeAspect="1"/>
+          </p:cNvPicPr>
+          <p:nvPr/>
+        </p:nvPicPr>
+        <p:blipFill>
+          <a:blip r:embed="rId8">
+            <a:extLst>
+              <a:ext uri="{28A0092B-C50C-407E-A947-70E740481C1C}">
+                <a14:useLocalDpi xmlns:a14="http://schemas.microsoft.com/office/drawing/2010/main" val="0"/>
+              </a:ext>
+            </a:extLst>
+          </a:blip>
+          <a:stretch>
+            <a:fillRect/>
+          </a:stretch>
+        </p:blipFill>
+        <p:spPr>
+          <a:xfrm>
+            <a:off x="4212009" y="2540264"/>
+            <a:ext cx="3048000" cy="971550"/>
+          </a:xfrm>
+          <a:prstGeom prst="rect">
+            <a:avLst/>
+          </a:prstGeom>
+        </p:spPr>
+      </p:pic>
+    </p:spTree>
+    <p:extLst>
+      <p:ext uri="{BB962C8B-B14F-4D97-AF65-F5344CB8AC3E}">
+        <p14:creationId xmlns:p14="http://schemas.microsoft.com/office/powerpoint/2010/main" val="1781891052"/>
+      </p:ext>
+    </p:extLst>
+  </p:cSld>
+  <p:clrMapOvr>
+    <a:masterClrMapping/>
+  </p:clrMapOvr>
+  <p:timing>
+    <p:tnLst>
+      <p:par>
+        <p:cTn id="1" dur="indefinite" restart="never" nodeType="tmRoot"/>
+      </p:par>
+    </p:tnLst>
+  </p:timing>
+</p:sld>
+</file>
+
+<file path=ppt/slides/slide13.xml><?xml version="1.0" encoding="utf-8"?>
+<p:sld xmlns:a="http://schemas.openxmlformats.org/drawingml/2006/main" xmlns:r="http://schemas.openxmlformats.org/officeDocument/2006/relationships" xmlns:p="http://schemas.openxmlformats.org/presentationml/2006/main">
+  <p:cSld>
+    <p:spTree>
+      <p:nvGrpSpPr>
+        <p:cNvPr id="1" name=""/>
+        <p:cNvGrpSpPr/>
+        <p:nvPr/>
+      </p:nvGrpSpPr>
+      <p:grpSpPr>
+        <a:xfrm>
+          <a:off x="0" y="0"/>
+          <a:ext cx="0" cy="0"/>
+          <a:chOff x="0" y="0"/>
+          <a:chExt cx="0" cy="0"/>
+        </a:xfrm>
+      </p:grpSpPr>
+      <p:sp>
+        <p:nvSpPr>
+          <p:cNvPr id="2" name="Nadpis 1"/>
+          <p:cNvSpPr>
+            <a:spLocks noGrp="1"/>
+          </p:cNvSpPr>
+          <p:nvPr>
+            <p:ph type="title"/>
           </p:nvPr>
         </p:nvSpPr>
         <p:spPr/>
@@ -6530,7 +7111,59 @@
           <a:bodyPr/>
           <a:lstStyle/>
           <a:p>
-            <a:endParaRPr lang="sk-SK"/>
+            <a:r>
+              <a:rPr lang="sk-SK" dirty="0" smtClean="0"/>
+              <a:t>Záver</a:t>
+            </a:r>
+            <a:endParaRPr lang="sk-SK" dirty="0"/>
+          </a:p>
+        </p:txBody>
+      </p:sp>
+      <p:sp>
+        <p:nvSpPr>
+          <p:cNvPr id="3" name="Zástupný symbol obsahu 2"/>
+          <p:cNvSpPr>
+            <a:spLocks noGrp="1"/>
+          </p:cNvSpPr>
+          <p:nvPr>
+            <p:ph idx="1"/>
+          </p:nvPr>
+        </p:nvSpPr>
+        <p:spPr/>
+        <p:txBody>
+          <a:bodyPr/>
+          <a:lstStyle/>
+          <a:p>
+            <a:r>
+              <a:rPr lang="sk-SK" dirty="0" smtClean="0"/>
+              <a:t>Nové skúsenosti</a:t>
+            </a:r>
+          </a:p>
+          <a:p>
+            <a:pPr lvl="1"/>
+            <a:r>
+              <a:rPr lang="sk-SK" dirty="0"/>
+              <a:t>Tímová </a:t>
+            </a:r>
+            <a:r>
+              <a:rPr lang="sk-SK" dirty="0" smtClean="0"/>
+              <a:t>práca</a:t>
+            </a:r>
+          </a:p>
+          <a:p>
+            <a:pPr lvl="1"/>
+            <a:r>
+              <a:rPr lang="sk-SK" dirty="0" smtClean="0"/>
+              <a:t>Práca s GIT-</a:t>
+            </a:r>
+            <a:r>
+              <a:rPr lang="sk-SK" dirty="0" err="1" smtClean="0"/>
+              <a:t>om</a:t>
+            </a:r>
+            <a:endParaRPr lang="sk-SK" dirty="0" smtClean="0"/>
+          </a:p>
+          <a:p>
+            <a:endParaRPr lang="sk-SK" dirty="0"/>
           </a:p>
         </p:txBody>
       </p:sp>
@@ -6544,6 +7177,86 @@
   <p:clrMapOvr>
     <a:masterClrMapping/>
   </p:clrMapOvr>
+  <p:timing>
+    <p:tnLst>
+      <p:par>
+        <p:cTn id="1" dur="indefinite" restart="never" nodeType="tmRoot"/>
+      </p:par>
+    </p:tnLst>
+  </p:timing>
+</p:sld>
+</file>
+
+<file path=ppt/slides/slide14.xml><?xml version="1.0" encoding="utf-8"?>
+<p:sld xmlns:a="http://schemas.openxmlformats.org/drawingml/2006/main" xmlns:r="http://schemas.openxmlformats.org/officeDocument/2006/relationships" xmlns:p="http://schemas.openxmlformats.org/presentationml/2006/main">
+  <p:cSld>
+    <p:spTree>
+      <p:nvGrpSpPr>
+        <p:cNvPr id="1" name=""/>
+        <p:cNvGrpSpPr/>
+        <p:nvPr/>
+      </p:nvGrpSpPr>
+      <p:grpSpPr>
+        <a:xfrm>
+          <a:off x="0" y="0"/>
+          <a:ext cx="0" cy="0"/>
+          <a:chOff x="0" y="0"/>
+          <a:chExt cx="0" cy="0"/>
+        </a:xfrm>
+      </p:grpSpPr>
+      <p:sp>
+        <p:nvSpPr>
+          <p:cNvPr id="2" name="Nadpis 1"/>
+          <p:cNvSpPr>
+            <a:spLocks noGrp="1"/>
+          </p:cNvSpPr>
+          <p:nvPr>
+            <p:ph type="ctrTitle"/>
+          </p:nvPr>
+        </p:nvSpPr>
+        <p:spPr>
+          <a:xfrm>
+            <a:off x="1547664" y="3933056"/>
+            <a:ext cx="4737549" cy="1646302"/>
+          </a:xfrm>
+        </p:spPr>
+        <p:txBody>
+          <a:bodyPr/>
+          <a:lstStyle/>
+          <a:p>
+            <a:r>
+              <a:rPr lang="cs-CZ" dirty="0" err="1"/>
+              <a:t>Ďakujeme</a:t>
+            </a:r>
+            <a:r>
+              <a:rPr lang="cs-CZ" dirty="0"/>
+              <a:t> za </a:t>
+            </a:r>
+            <a:r>
+              <a:rPr lang="cs-CZ" dirty="0" err="1" smtClean="0"/>
+              <a:t>pozornosť</a:t>
+            </a:r>
+            <a:endParaRPr lang="cs-CZ" dirty="0"/>
+          </a:p>
+        </p:txBody>
+      </p:sp>
+    </p:spTree>
+    <p:extLst>
+      <p:ext uri="{BB962C8B-B14F-4D97-AF65-F5344CB8AC3E}">
+        <p14:creationId xmlns:p14="http://schemas.microsoft.com/office/powerpoint/2010/main" val="470733388"/>
+      </p:ext>
+    </p:extLst>
+  </p:cSld>
+  <p:clrMapOvr>
+    <a:masterClrMapping/>
+  </p:clrMapOvr>
+  <p:timing>
+    <p:tnLst>
+      <p:par>
+        <p:cTn id="1" dur="indefinite" restart="never" nodeType="tmRoot"/>
+      </p:par>
+    </p:tnLst>
+  </p:timing>
 </p:sld>
 </file>
 
@@ -6580,10 +7293,10 @@
           <a:lstStyle/>
           <a:p>
             <a:r>
-              <a:rPr lang="sk-SK" smtClean="0"/>
+              <a:rPr lang="sk-SK" dirty="0" smtClean="0"/>
               <a:t>Obsah</a:t>
             </a:r>
-            <a:endParaRPr lang="sk-SK"/>
+            <a:endParaRPr lang="sk-SK" dirty="0"/>
           </a:p>
         </p:txBody>
       </p:sp>
@@ -6605,56 +7318,59 @@
           <a:lstStyle/>
           <a:p>
             <a:r>
-              <a:rPr lang="sk-SK" sz="2400" smtClean="0"/>
+              <a:rPr lang="sk-SK" sz="2400" dirty="0" smtClean="0"/>
               <a:t>Zadanie</a:t>
             </a:r>
           </a:p>
           <a:p>
             <a:r>
-              <a:rPr lang="sk-SK" sz="2400" smtClean="0"/>
+              <a:rPr lang="sk-SK" sz="2400" dirty="0" smtClean="0"/>
               <a:t>Členovia tímu</a:t>
             </a:r>
           </a:p>
           <a:p>
             <a:r>
-              <a:rPr lang="sk-SK" sz="2400" smtClean="0"/>
+              <a:rPr lang="sk-SK" sz="2400" dirty="0" smtClean="0"/>
               <a:t>Návrh</a:t>
             </a:r>
           </a:p>
           <a:p>
             <a:r>
-              <a:rPr lang="sk-SK" sz="2400" smtClean="0"/>
-              <a:t>Jednotlivé časti</a:t>
-            </a:r>
+              <a:rPr lang="sk-SK" sz="2400" dirty="0" smtClean="0"/>
+              <a:t>Rozdelenie prác</a:t>
+            </a:r>
+            <a:endParaRPr lang="sk-SK" sz="2400" dirty="0" smtClean="0"/>
           </a:p>
           <a:p>
             <a:pPr lvl="1"/>
             <a:r>
-              <a:rPr lang="sk-SK" sz="2000" smtClean="0"/>
-              <a:t>Web</a:t>
-            </a:r>
+              <a:rPr lang="sk-SK" sz="2000" dirty="0" smtClean="0"/>
+              <a:t>Zber dát a tvorba XML databáze</a:t>
+            </a:r>
+            <a:endParaRPr lang="sk-SK" sz="2000" dirty="0" smtClean="0"/>
           </a:p>
           <a:p>
             <a:pPr lvl="1"/>
             <a:r>
-              <a:rPr lang="sk-SK" sz="2000" smtClean="0"/>
-              <a:t>Prevod dát do XML</a:t>
+              <a:rPr lang="sk-SK" sz="2000" dirty="0" smtClean="0"/>
+              <a:t>Prevod XML do HTML</a:t>
             </a:r>
           </a:p>
           <a:p>
             <a:pPr lvl="1"/>
             <a:r>
-              <a:rPr lang="sk-SK" sz="2000" smtClean="0"/>
-              <a:t>Prevod XML do HTML</a:t>
-            </a:r>
+              <a:rPr lang="sk-SK" sz="2000" dirty="0" smtClean="0"/>
+              <a:t>Tvorba webu</a:t>
+            </a:r>
+            <a:endParaRPr lang="sk-SK" sz="2000" dirty="0" smtClean="0"/>
           </a:p>
           <a:p>
             <a:pPr lvl="1"/>
             <a:r>
-              <a:rPr lang="sk-SK" sz="2000" smtClean="0"/>
-              <a:t>Grafy a mapy</a:t>
-            </a:r>
-            <a:endParaRPr lang="sk-SK" sz="2000"/>
+              <a:rPr lang="sk-SK" sz="2000" dirty="0" smtClean="0"/>
+              <a:t>Vizualizácia dát</a:t>
+            </a:r>
+            <a:endParaRPr lang="sk-SK" sz="2000" dirty="0"/>
           </a:p>
         </p:txBody>
       </p:sp>
@@ -6668,6 +7384,13 @@
   <p:clrMapOvr>
     <a:masterClrMapping/>
   </p:clrMapOvr>
+  <p:timing>
+    <p:tnLst>
+      <p:par>
+        <p:cTn id="1" dur="indefinite" restart="never" nodeType="tmRoot"/>
+      </p:par>
+    </p:tnLst>
+  </p:timing>
 </p:sld>
 </file>
 
@@ -6704,10 +7427,10 @@
           <a:lstStyle/>
           <a:p>
             <a:r>
-              <a:rPr lang="sk-SK" smtClean="0"/>
+              <a:rPr lang="sk-SK" dirty="0" smtClean="0"/>
               <a:t>Zadanie</a:t>
             </a:r>
-            <a:endParaRPr lang="sk-SK"/>
+            <a:endParaRPr lang="sk-SK" dirty="0"/>
           </a:p>
         </p:txBody>
       </p:sp>
@@ -6734,22 +7457,51 @@
           <a:lstStyle/>
           <a:p>
             <a:r>
-              <a:rPr lang="sk-SK" sz="2400"/>
-              <a:t>Nájdite a porovnajte makroekonomické ukazovatele (HDP, HDP per capita, inflácia, nezamestnanosť, Big Mac Index...). Vytvorte stránku, nájdené XML dáta preveďte pomocou XSLT do HTML a vytvorte grafy a mapy k jednotlivým štátom. Na tvorbu máp použite nejaké Google Maps API, ktoré vám umožní pridať k štátom konkrétne údaje.</a:t>
+              <a:rPr lang="cs-CZ" sz="2400" dirty="0"/>
+              <a:t>Získejte makroekonomické údaje z různých </a:t>
+            </a:r>
+            <a:r>
+              <a:rPr lang="cs-CZ" sz="2400" dirty="0" smtClean="0"/>
+              <a:t>zdrojů, převeďte je do </a:t>
+            </a:r>
+            <a:r>
+              <a:rPr lang="cs-CZ" sz="2400" dirty="0"/>
+              <a:t>vhodného formátu, připravte možnost </a:t>
+            </a:r>
+            <a:r>
+              <a:rPr lang="cs-CZ" sz="2400" dirty="0" smtClean="0"/>
+              <a:t>porovnání  (grafy</a:t>
+            </a:r>
+            <a:r>
+              <a:rPr lang="cs-CZ" sz="2400" dirty="0"/>
+              <a:t>, mapová </a:t>
+            </a:r>
+            <a:r>
+              <a:rPr lang="cs-CZ" sz="2400" dirty="0" smtClean="0"/>
+              <a:t>vizualizace).</a:t>
+            </a:r>
+            <a:r>
+              <a:rPr lang="sk-SK" sz="2400" dirty="0"/>
+              <a:t/>
             </a:r>
             <a:br>
-              <a:rPr lang="sk-SK" sz="2400"/>
+              <a:rPr lang="sk-SK" sz="2400" dirty="0"/>
             </a:br>
-            <a:endParaRPr lang="sk-SK" sz="2400"/>
-          </a:p>
-          <a:p>
-            <a:r>
-              <a:rPr lang="sk-SK" sz="2400"/>
-              <a:t>Vedúci projektu:	RNDr. Adam Rambousek</a:t>
-            </a:r>
-          </a:p>
-          <a:p>
-            <a:endParaRPr lang="sk-SK" sz="2400"/>
+            <a:endParaRPr lang="sk-SK" sz="2400" dirty="0"/>
+          </a:p>
+          <a:p>
+            <a:r>
+              <a:rPr lang="sk-SK" sz="2400" dirty="0"/>
+              <a:t>Vedúci projektu:	RNDr. Adam </a:t>
+            </a:r>
+            <a:r>
+              <a:rPr lang="sk-SK" sz="2400" dirty="0" err="1"/>
+              <a:t>Rambousek</a:t>
+            </a:r>
+            <a:endParaRPr lang="sk-SK" sz="2400" dirty="0"/>
+          </a:p>
+          <a:p>
+            <a:endParaRPr lang="sk-SK" sz="2400" dirty="0"/>
           </a:p>
         </p:txBody>
       </p:sp>
@@ -6763,6 +7515,13 @@
   <p:clrMapOvr>
     <a:masterClrMapping/>
   </p:clrMapOvr>
+  <p:timing>
+    <p:tnLst>
+      <p:par>
+        <p:cTn id="1" dur="indefinite" restart="never" nodeType="tmRoot"/>
+      </p:par>
+    </p:tnLst>
+  </p:timing>
 </p:sld>
 </file>
 
@@ -6799,10 +7558,10 @@
           <a:lstStyle/>
           <a:p>
             <a:r>
-              <a:rPr lang="sk-SK" smtClean="0"/>
+              <a:rPr lang="sk-SK" dirty="0" smtClean="0"/>
               <a:t>Členovia tímu</a:t>
             </a:r>
-            <a:endParaRPr lang="sk-SK"/>
+            <a:endParaRPr lang="sk-SK" dirty="0"/>
           </a:p>
         </p:txBody>
       </p:sp>
@@ -6824,78 +7583,92 @@
           <a:lstStyle/>
           <a:p>
             <a:r>
-              <a:rPr lang="sk-SK" sz="2400"/>
-              <a:t>Bc. Tomáš </a:t>
-            </a:r>
-            <a:r>
-              <a:rPr lang="sk-SK" sz="2400" smtClean="0"/>
+              <a:rPr lang="sk-SK" sz="2400" dirty="0"/>
+              <a:t>Mikuláš Mráz</a:t>
+            </a:r>
+          </a:p>
+          <a:p>
+            <a:pPr lvl="1"/>
+            <a:r>
+              <a:rPr lang="sk-SK" sz="2000" dirty="0"/>
+              <a:t>Zber dát a tvorba XML databáze</a:t>
+            </a:r>
+          </a:p>
+          <a:p>
+            <a:r>
+              <a:rPr lang="sk-SK" sz="2400" dirty="0" smtClean="0"/>
+              <a:t>Bc</a:t>
+            </a:r>
+            <a:r>
+              <a:rPr lang="sk-SK" sz="2400" dirty="0"/>
+              <a:t>. Marián </a:t>
+            </a:r>
+            <a:r>
+              <a:rPr lang="sk-SK" sz="2400" dirty="0" err="1"/>
+              <a:t>Čamák</a:t>
+            </a:r>
+            <a:endParaRPr lang="sk-SK" sz="2400" dirty="0"/>
+          </a:p>
+          <a:p>
+            <a:pPr lvl="1"/>
+            <a:r>
+              <a:rPr lang="sk-SK" sz="2000" dirty="0"/>
+              <a:t>Prevod z XML do </a:t>
+            </a:r>
+            <a:r>
+              <a:rPr lang="sk-SK" sz="2000" dirty="0" smtClean="0"/>
+              <a:t>HTML</a:t>
+            </a:r>
+            <a:endParaRPr lang="sk-SK" sz="2600" dirty="0" smtClean="0"/>
+          </a:p>
+          <a:p>
+            <a:r>
+              <a:rPr lang="sk-SK" sz="2400" dirty="0" smtClean="0"/>
+              <a:t>Bc</a:t>
+            </a:r>
+            <a:r>
+              <a:rPr lang="sk-SK" sz="2400" dirty="0"/>
+              <a:t>. Tomáš </a:t>
+            </a:r>
+            <a:r>
+              <a:rPr lang="sk-SK" sz="2400" dirty="0" err="1" smtClean="0"/>
               <a:t>Borčin</a:t>
             </a:r>
+            <a:endParaRPr lang="sk-SK" sz="2400" dirty="0" smtClean="0"/>
           </a:p>
           <a:p>
             <a:pPr lvl="1"/>
             <a:r>
-              <a:rPr lang="sk-SK" sz="2000" smtClean="0"/>
-              <a:t>Web</a:t>
-            </a:r>
-          </a:p>
-          <a:p>
-            <a:r>
-              <a:rPr lang="sk-SK" sz="2400"/>
-              <a:t>Mikuláš Mráz</a:t>
-            </a:r>
+              <a:rPr lang="sk-SK" sz="2000" dirty="0" smtClean="0"/>
+              <a:t>Tvorba webu</a:t>
+            </a:r>
+            <a:endParaRPr lang="sk-SK" sz="2000" dirty="0" smtClean="0"/>
+          </a:p>
+          <a:p>
+            <a:r>
+              <a:rPr lang="sk-SK" sz="2400" dirty="0" smtClean="0"/>
+              <a:t>Bc</a:t>
+            </a:r>
+            <a:r>
+              <a:rPr lang="sk-SK" sz="2400" dirty="0"/>
+              <a:t>. Lukáš </a:t>
+            </a:r>
+            <a:r>
+              <a:rPr lang="sk-SK" sz="2400" dirty="0" err="1"/>
+              <a:t>Buzga</a:t>
+            </a:r>
+            <a:endParaRPr lang="sk-SK" sz="2400" dirty="0"/>
           </a:p>
           <a:p>
             <a:pPr lvl="1"/>
             <a:r>
-              <a:rPr lang="sk-SK" sz="2000"/>
-              <a:t>Zbieranie dát do </a:t>
-            </a:r>
-            <a:r>
-              <a:rPr lang="sk-SK" sz="2000" smtClean="0"/>
-              <a:t>XML</a:t>
-            </a:r>
-          </a:p>
-          <a:p>
-            <a:r>
-              <a:rPr lang="sk-SK" sz="2400" smtClean="0"/>
-              <a:t>Bc</a:t>
-            </a:r>
-            <a:r>
-              <a:rPr lang="sk-SK" sz="2400"/>
-              <a:t>. Marián </a:t>
-            </a:r>
-            <a:r>
-              <a:rPr lang="sk-SK" sz="2400" smtClean="0"/>
-              <a:t>Čamák</a:t>
-            </a:r>
-          </a:p>
-          <a:p>
-            <a:pPr lvl="1"/>
-            <a:r>
-              <a:rPr lang="sk-SK" sz="2000" smtClean="0"/>
-              <a:t>Prevod z XML do HTML</a:t>
-            </a:r>
-          </a:p>
-          <a:p>
-            <a:r>
-              <a:rPr lang="sk-SK" sz="2400" smtClean="0"/>
-              <a:t>Bc</a:t>
-            </a:r>
-            <a:r>
-              <a:rPr lang="sk-SK" sz="2400"/>
-              <a:t>. Lukáš Buzga</a:t>
-            </a:r>
-          </a:p>
-          <a:p>
-            <a:pPr lvl="1"/>
-            <a:r>
-              <a:rPr lang="sk-SK" sz="2000"/>
-              <a:t>Tvorba grafov a máp</a:t>
-            </a:r>
-          </a:p>
-          <a:p>
-            <a:endParaRPr lang="sk-SK" sz="2400"/>
+              <a:rPr lang="sk-SK" sz="2000" dirty="0" smtClean="0"/>
+              <a:t>Vizualizácia dát</a:t>
+            </a:r>
+            <a:endParaRPr lang="sk-SK" sz="2000" dirty="0"/>
+          </a:p>
+          <a:p>
+            <a:endParaRPr lang="sk-SK" sz="2400" dirty="0"/>
           </a:p>
         </p:txBody>
       </p:sp>
@@ -6909,6 +7682,13 @@
   <p:clrMapOvr>
     <a:masterClrMapping/>
   </p:clrMapOvr>
+  <p:timing>
+    <p:tnLst>
+      <p:par>
+        <p:cTn id="1" dur="indefinite" restart="never" nodeType="tmRoot"/>
+      </p:par>
+    </p:tnLst>
+  </p:timing>
 </p:sld>
 </file>
 
@@ -6952,25 +7732,908 @@
           </a:p>
         </p:txBody>
       </p:sp>
-      <p:sp>
-        <p:nvSpPr>
-          <p:cNvPr id="3" name="Zástupný symbol obsahu 2"/>
-          <p:cNvSpPr>
-            <a:spLocks noGrp="1"/>
-          </p:cNvSpPr>
-          <p:nvPr>
-            <p:ph idx="1"/>
-          </p:nvPr>
-        </p:nvSpPr>
-        <p:spPr/>
-        <p:txBody>
-          <a:bodyPr/>
-          <a:lstStyle/>
-          <a:p>
-            <a:endParaRPr lang="sk-SK"/>
-          </a:p>
-        </p:txBody>
-      </p:sp>
+      <p:grpSp>
+        <p:nvGrpSpPr>
+          <p:cNvPr id="5" name="Skupina 4"/>
+          <p:cNvGrpSpPr/>
+          <p:nvPr/>
+        </p:nvGrpSpPr>
+        <p:grpSpPr>
+          <a:xfrm>
+            <a:off x="755576" y="1700808"/>
+            <a:ext cx="5832648" cy="4209281"/>
+            <a:chOff x="0" y="0"/>
+            <a:chExt cx="4791075" cy="3705225"/>
+          </a:xfrm>
+        </p:grpSpPr>
+        <p:grpSp>
+          <p:nvGrpSpPr>
+            <p:cNvPr id="6" name="Skupina 5"/>
+            <p:cNvGrpSpPr/>
+            <p:nvPr/>
+          </p:nvGrpSpPr>
+          <p:grpSpPr>
+            <a:xfrm>
+              <a:off x="0" y="0"/>
+              <a:ext cx="4791075" cy="3705225"/>
+              <a:chOff x="0" y="0"/>
+              <a:chExt cx="4791075" cy="3705225"/>
+            </a:xfrm>
+          </p:grpSpPr>
+          <p:sp>
+            <p:nvSpPr>
+              <p:cNvPr id="8" name="Vývojový diagram: alternativní postup 7"/>
+              <p:cNvSpPr/>
+              <p:nvPr/>
+            </p:nvSpPr>
+            <p:spPr>
+              <a:xfrm>
+                <a:off x="1162049" y="0"/>
+                <a:ext cx="2638425" cy="409575"/>
+              </a:xfrm>
+              <a:prstGeom prst="flowChartAlternateProcess">
+                <a:avLst/>
+              </a:prstGeom>
+              <a:solidFill>
+                <a:schemeClr val="bg1">
+                  <a:lumMod val="65000"/>
+                </a:schemeClr>
+              </a:solidFill>
+            </p:spPr>
+            <p:style>
+              <a:lnRef idx="2">
+                <a:schemeClr val="accent1">
+                  <a:shade val="50000"/>
+                </a:schemeClr>
+              </a:lnRef>
+              <a:fillRef idx="1">
+                <a:schemeClr val="accent1"/>
+              </a:fillRef>
+              <a:effectRef idx="0">
+                <a:schemeClr val="accent1"/>
+              </a:effectRef>
+              <a:fontRef idx="minor">
+                <a:schemeClr val="lt1"/>
+              </a:fontRef>
+            </p:style>
+            <p:txBody>
+              <a:bodyPr rot="0" spcFirstLastPara="0" vert="horz" wrap="square" lIns="91440" tIns="45720" rIns="91440" bIns="45720" numCol="1" spcCol="0" rtlCol="0" fromWordArt="0" anchor="ctr" anchorCtr="0" forceAA="0" compatLnSpc="1">
+                <a:prstTxWarp prst="textNoShape">
+                  <a:avLst/>
+                </a:prstTxWarp>
+                <a:noAutofit/>
+              </a:bodyPr>
+              <a:lstStyle/>
+              <a:p>
+                <a:pPr algn="ctr">
+                  <a:lnSpc>
+                    <a:spcPct val="107000"/>
+                  </a:lnSpc>
+                  <a:spcAft>
+                    <a:spcPts val="800"/>
+                  </a:spcAft>
+                </a:pPr>
+                <a:r>
+                  <a:rPr lang="en-US" sz="1600" b="1" dirty="0">
+                    <a:solidFill>
+                      <a:srgbClr val="FFD966"/>
+                    </a:solidFill>
+                    <a:effectLst/>
+                    <a:ea typeface="Calibri" panose="020F0502020204030204" pitchFamily="34" charset="0"/>
+                    <a:cs typeface="Times New Roman" panose="02020603050405020304" pitchFamily="18" charset="0"/>
+                  </a:rPr>
+                  <a:t>XML d</a:t>
+                </a:r>
+                <a:r>
+                  <a:rPr lang="cs-CZ" sz="1600" b="1" dirty="0" err="1">
+                    <a:solidFill>
+                      <a:srgbClr val="FFD966"/>
+                    </a:solidFill>
+                    <a:effectLst/>
+                    <a:ea typeface="Calibri" panose="020F0502020204030204" pitchFamily="34" charset="0"/>
+                    <a:cs typeface="Times New Roman" panose="02020603050405020304" pitchFamily="18" charset="0"/>
+                  </a:rPr>
+                  <a:t>áta</a:t>
+                </a:r>
+                <a:r>
+                  <a:rPr lang="cs-CZ" sz="1600" b="1" dirty="0">
+                    <a:solidFill>
+                      <a:srgbClr val="FFD966"/>
+                    </a:solidFill>
+                    <a:effectLst/>
+                    <a:ea typeface="Calibri" panose="020F0502020204030204" pitchFamily="34" charset="0"/>
+                    <a:cs typeface="Times New Roman" panose="02020603050405020304" pitchFamily="18" charset="0"/>
+                  </a:rPr>
+                  <a:t> z internetu</a:t>
+                </a:r>
+                <a:endParaRPr lang="cs-CZ" sz="1100" dirty="0">
+                  <a:effectLst/>
+                  <a:ea typeface="Calibri" panose="020F0502020204030204" pitchFamily="34" charset="0"/>
+                  <a:cs typeface="Times New Roman" panose="02020603050405020304" pitchFamily="18" charset="0"/>
+                </a:endParaRPr>
+              </a:p>
+            </p:txBody>
+          </p:sp>
+          <p:sp>
+            <p:nvSpPr>
+              <p:cNvPr id="9" name="Vývojový diagram: alternativní postup 8"/>
+              <p:cNvSpPr/>
+              <p:nvPr/>
+            </p:nvSpPr>
+            <p:spPr>
+              <a:xfrm>
+                <a:off x="1581150" y="971550"/>
+                <a:ext cx="1809750" cy="400050"/>
+              </a:xfrm>
+              <a:prstGeom prst="flowChartAlternateProcess">
+                <a:avLst/>
+              </a:prstGeom>
+              <a:solidFill>
+                <a:schemeClr val="bg1">
+                  <a:lumMod val="65000"/>
+                </a:schemeClr>
+              </a:solidFill>
+            </p:spPr>
+            <p:style>
+              <a:lnRef idx="2">
+                <a:schemeClr val="accent1">
+                  <a:shade val="50000"/>
+                </a:schemeClr>
+              </a:lnRef>
+              <a:fillRef idx="1">
+                <a:schemeClr val="accent1"/>
+              </a:fillRef>
+              <a:effectRef idx="0">
+                <a:schemeClr val="accent1"/>
+              </a:effectRef>
+              <a:fontRef idx="minor">
+                <a:schemeClr val="lt1"/>
+              </a:fontRef>
+            </p:style>
+            <p:txBody>
+              <a:bodyPr rot="0" spcFirstLastPara="0" vert="horz" wrap="square" lIns="91440" tIns="45720" rIns="91440" bIns="45720" numCol="1" spcCol="0" rtlCol="0" fromWordArt="0" anchor="ctr" anchorCtr="0" forceAA="0" compatLnSpc="1">
+                <a:prstTxWarp prst="textNoShape">
+                  <a:avLst/>
+                </a:prstTxWarp>
+                <a:noAutofit/>
+              </a:bodyPr>
+              <a:lstStyle/>
+              <a:p>
+                <a:pPr algn="ctr">
+                  <a:lnSpc>
+                    <a:spcPct val="107000"/>
+                  </a:lnSpc>
+                  <a:spcAft>
+                    <a:spcPts val="800"/>
+                  </a:spcAft>
+                </a:pPr>
+                <a:r>
+                  <a:rPr lang="en-US" sz="1600" b="1" dirty="0">
+                    <a:solidFill>
+                      <a:srgbClr val="FFD966"/>
+                    </a:solidFill>
+                    <a:effectLst/>
+                    <a:ea typeface="Calibri" panose="020F0502020204030204" pitchFamily="34" charset="0"/>
+                    <a:cs typeface="Times New Roman" panose="02020603050405020304" pitchFamily="18" charset="0"/>
+                  </a:rPr>
+                  <a:t>XML </a:t>
+                </a:r>
+                <a:r>
+                  <a:rPr lang="en-US" sz="1600" b="1" dirty="0" err="1">
+                    <a:solidFill>
+                      <a:srgbClr val="FFD966"/>
+                    </a:solidFill>
+                    <a:effectLst/>
+                    <a:ea typeface="Calibri" panose="020F0502020204030204" pitchFamily="34" charset="0"/>
+                    <a:cs typeface="Times New Roman" panose="02020603050405020304" pitchFamily="18" charset="0"/>
+                  </a:rPr>
+                  <a:t>databáza</a:t>
+                </a:r>
+                <a:endParaRPr lang="cs-CZ" sz="1100" dirty="0">
+                  <a:effectLst/>
+                  <a:ea typeface="Calibri" panose="020F0502020204030204" pitchFamily="34" charset="0"/>
+                  <a:cs typeface="Times New Roman" panose="02020603050405020304" pitchFamily="18" charset="0"/>
+                </a:endParaRPr>
+              </a:p>
+            </p:txBody>
+          </p:sp>
+          <p:sp>
+            <p:nvSpPr>
+              <p:cNvPr id="10" name="Obdélník 9"/>
+              <p:cNvSpPr/>
+              <p:nvPr/>
+            </p:nvSpPr>
+            <p:spPr>
+              <a:xfrm>
+                <a:off x="2300472" y="467703"/>
+                <a:ext cx="962025" cy="352425"/>
+              </a:xfrm>
+              <a:prstGeom prst="rect">
+                <a:avLst/>
+              </a:prstGeom>
+              <a:noFill/>
+              <a:ln>
+                <a:noFill/>
+              </a:ln>
+            </p:spPr>
+            <p:style>
+              <a:lnRef idx="2">
+                <a:schemeClr val="accent1">
+                  <a:shade val="50000"/>
+                </a:schemeClr>
+              </a:lnRef>
+              <a:fillRef idx="1">
+                <a:schemeClr val="accent1"/>
+              </a:fillRef>
+              <a:effectRef idx="0">
+                <a:schemeClr val="accent1"/>
+              </a:effectRef>
+              <a:fontRef idx="minor">
+                <a:schemeClr val="lt1"/>
+              </a:fontRef>
+            </p:style>
+            <p:txBody>
+              <a:bodyPr rot="0" spcFirstLastPara="0" vert="horz" wrap="square" lIns="91440" tIns="45720" rIns="91440" bIns="45720" numCol="1" spcCol="0" rtlCol="0" fromWordArt="0" anchor="ctr" anchorCtr="0" forceAA="0" compatLnSpc="1">
+                <a:prstTxWarp prst="textNoShape">
+                  <a:avLst/>
+                </a:prstTxWarp>
+                <a:noAutofit/>
+              </a:bodyPr>
+              <a:lstStyle/>
+              <a:p>
+                <a:pPr algn="ctr">
+                  <a:lnSpc>
+                    <a:spcPct val="107000"/>
+                  </a:lnSpc>
+                  <a:spcAft>
+                    <a:spcPts val="800"/>
+                  </a:spcAft>
+                </a:pPr>
+                <a:r>
+                  <a:rPr lang="cs-CZ" sz="1400" dirty="0" err="1">
+                    <a:solidFill>
+                      <a:srgbClr val="000000"/>
+                    </a:solidFill>
+                    <a:effectLst/>
+                    <a:ea typeface="Calibri" panose="020F0502020204030204" pitchFamily="34" charset="0"/>
+                    <a:cs typeface="Times New Roman" panose="02020603050405020304" pitchFamily="18" charset="0"/>
+                  </a:rPr>
+                  <a:t>xQuery</a:t>
+                </a:r>
+                <a:endParaRPr lang="cs-CZ" sz="1100" dirty="0">
+                  <a:effectLst/>
+                  <a:ea typeface="Calibri" panose="020F0502020204030204" pitchFamily="34" charset="0"/>
+                  <a:cs typeface="Times New Roman" panose="02020603050405020304" pitchFamily="18" charset="0"/>
+                </a:endParaRPr>
+              </a:p>
+            </p:txBody>
+          </p:sp>
+          <p:sp>
+            <p:nvSpPr>
+              <p:cNvPr id="11" name="Vývojový diagram: alternativní postup 10"/>
+              <p:cNvSpPr/>
+              <p:nvPr/>
+            </p:nvSpPr>
+            <p:spPr>
+              <a:xfrm>
+                <a:off x="1600200" y="2000250"/>
+                <a:ext cx="1809750" cy="400050"/>
+              </a:xfrm>
+              <a:prstGeom prst="flowChartAlternateProcess">
+                <a:avLst/>
+              </a:prstGeom>
+              <a:solidFill>
+                <a:schemeClr val="bg1">
+                  <a:lumMod val="65000"/>
+                </a:schemeClr>
+              </a:solidFill>
+            </p:spPr>
+            <p:style>
+              <a:lnRef idx="2">
+                <a:schemeClr val="accent1">
+                  <a:shade val="50000"/>
+                </a:schemeClr>
+              </a:lnRef>
+              <a:fillRef idx="1">
+                <a:schemeClr val="accent1"/>
+              </a:fillRef>
+              <a:effectRef idx="0">
+                <a:schemeClr val="accent1"/>
+              </a:effectRef>
+              <a:fontRef idx="minor">
+                <a:schemeClr val="lt1"/>
+              </a:fontRef>
+            </p:style>
+            <p:txBody>
+              <a:bodyPr rot="0" spcFirstLastPara="0" vert="horz" wrap="square" lIns="91440" tIns="45720" rIns="91440" bIns="45720" numCol="1" spcCol="0" rtlCol="0" fromWordArt="0" anchor="ctr" anchorCtr="0" forceAA="0" compatLnSpc="1">
+                <a:prstTxWarp prst="textNoShape">
+                  <a:avLst/>
+                </a:prstTxWarp>
+                <a:noAutofit/>
+              </a:bodyPr>
+              <a:lstStyle/>
+              <a:p>
+                <a:pPr algn="ctr">
+                  <a:lnSpc>
+                    <a:spcPct val="107000"/>
+                  </a:lnSpc>
+                  <a:spcAft>
+                    <a:spcPts val="800"/>
+                  </a:spcAft>
+                </a:pPr>
+                <a:r>
+                  <a:rPr lang="en-US" sz="1600" b="1" dirty="0">
+                    <a:solidFill>
+                      <a:srgbClr val="FFD966"/>
+                    </a:solidFill>
+                    <a:effectLst/>
+                    <a:ea typeface="Calibri" panose="020F0502020204030204" pitchFamily="34" charset="0"/>
+                    <a:cs typeface="Times New Roman" panose="02020603050405020304" pitchFamily="18" charset="0"/>
+                  </a:rPr>
+                  <a:t>HTML </a:t>
+                </a:r>
+                <a:r>
+                  <a:rPr lang="en-US" sz="1600" b="1" dirty="0" err="1">
+                    <a:solidFill>
+                      <a:srgbClr val="FFD966"/>
+                    </a:solidFill>
+                    <a:effectLst/>
+                    <a:ea typeface="Calibri" panose="020F0502020204030204" pitchFamily="34" charset="0"/>
+                    <a:cs typeface="Times New Roman" panose="02020603050405020304" pitchFamily="18" charset="0"/>
+                  </a:rPr>
+                  <a:t>tabuľky</a:t>
+                </a:r>
+                <a:endParaRPr lang="cs-CZ" sz="1100" dirty="0">
+                  <a:effectLst/>
+                  <a:ea typeface="Calibri" panose="020F0502020204030204" pitchFamily="34" charset="0"/>
+                  <a:cs typeface="Times New Roman" panose="02020603050405020304" pitchFamily="18" charset="0"/>
+                </a:endParaRPr>
+              </a:p>
+            </p:txBody>
+          </p:sp>
+          <p:cxnSp>
+            <p:nvCxnSpPr>
+              <p:cNvPr id="12" name="Přímá spojnice se šipkou 3"/>
+              <p:cNvCxnSpPr>
+                <a:stCxn id="9" idx="2"/>
+                <a:endCxn id="11" idx="0"/>
+              </p:cNvCxnSpPr>
+              <p:nvPr/>
+            </p:nvCxnSpPr>
+            <p:spPr>
+              <a:xfrm>
+                <a:off x="2486025" y="1371600"/>
+                <a:ext cx="19050" cy="628650"/>
+              </a:xfrm>
+              <a:prstGeom prst="straightConnector1">
+                <a:avLst/>
+              </a:prstGeom>
+              <a:ln w="25400">
+                <a:solidFill>
+                  <a:schemeClr val="accent4">
+                    <a:lumMod val="60000"/>
+                    <a:lumOff val="40000"/>
+                  </a:schemeClr>
+                </a:solidFill>
+                <a:headEnd type="none" w="lg" len="lg"/>
+                <a:tailEnd type="triangle" w="lg" len="lg"/>
+              </a:ln>
+            </p:spPr>
+            <p:style>
+              <a:lnRef idx="1">
+                <a:schemeClr val="accent1"/>
+              </a:lnRef>
+              <a:fillRef idx="0">
+                <a:schemeClr val="accent1"/>
+              </a:fillRef>
+              <a:effectRef idx="0">
+                <a:schemeClr val="accent1"/>
+              </a:effectRef>
+              <a:fontRef idx="minor">
+                <a:schemeClr val="tx1"/>
+              </a:fontRef>
+            </p:style>
+          </p:cxnSp>
+          <p:sp>
+            <p:nvSpPr>
+              <p:cNvPr id="13" name="Obdélník 12"/>
+              <p:cNvSpPr/>
+              <p:nvPr/>
+            </p:nvSpPr>
+            <p:spPr>
+              <a:xfrm>
+                <a:off x="1809750" y="1509712"/>
+                <a:ext cx="962025" cy="352425"/>
+              </a:xfrm>
+              <a:prstGeom prst="rect">
+                <a:avLst/>
+              </a:prstGeom>
+              <a:noFill/>
+              <a:ln>
+                <a:noFill/>
+              </a:ln>
+            </p:spPr>
+            <p:style>
+              <a:lnRef idx="2">
+                <a:schemeClr val="accent1">
+                  <a:shade val="50000"/>
+                </a:schemeClr>
+              </a:lnRef>
+              <a:fillRef idx="1">
+                <a:schemeClr val="accent1"/>
+              </a:fillRef>
+              <a:effectRef idx="0">
+                <a:schemeClr val="accent1"/>
+              </a:effectRef>
+              <a:fontRef idx="minor">
+                <a:schemeClr val="lt1"/>
+              </a:fontRef>
+            </p:style>
+            <p:txBody>
+              <a:bodyPr rot="0" spcFirstLastPara="0" vert="horz" wrap="square" lIns="91440" tIns="45720" rIns="91440" bIns="45720" numCol="1" spcCol="0" rtlCol="0" fromWordArt="0" anchor="ctr" anchorCtr="0" forceAA="0" compatLnSpc="1">
+                <a:prstTxWarp prst="textNoShape">
+                  <a:avLst/>
+                </a:prstTxWarp>
+                <a:noAutofit/>
+              </a:bodyPr>
+              <a:lstStyle/>
+              <a:p>
+                <a:pPr algn="ctr">
+                  <a:lnSpc>
+                    <a:spcPct val="107000"/>
+                  </a:lnSpc>
+                  <a:spcAft>
+                    <a:spcPts val="800"/>
+                  </a:spcAft>
+                </a:pPr>
+                <a:r>
+                  <a:rPr lang="cs-CZ" sz="1400" dirty="0">
+                    <a:solidFill>
+                      <a:srgbClr val="000000"/>
+                    </a:solidFill>
+                    <a:effectLst/>
+                    <a:ea typeface="Calibri" panose="020F0502020204030204" pitchFamily="34" charset="0"/>
+                    <a:cs typeface="Times New Roman" panose="02020603050405020304" pitchFamily="18" charset="0"/>
+                  </a:rPr>
+                  <a:t>XSLT</a:t>
+                </a:r>
+                <a:endParaRPr lang="cs-CZ" sz="1100" dirty="0">
+                  <a:effectLst/>
+                  <a:ea typeface="Calibri" panose="020F0502020204030204" pitchFamily="34" charset="0"/>
+                  <a:cs typeface="Times New Roman" panose="02020603050405020304" pitchFamily="18" charset="0"/>
+                </a:endParaRPr>
+              </a:p>
+            </p:txBody>
+          </p:sp>
+          <p:sp>
+            <p:nvSpPr>
+              <p:cNvPr id="14" name="Vývojový diagram: alternativní postup 13"/>
+              <p:cNvSpPr/>
+              <p:nvPr/>
+            </p:nvSpPr>
+            <p:spPr>
+              <a:xfrm>
+                <a:off x="0" y="3305175"/>
+                <a:ext cx="1809750" cy="400050"/>
+              </a:xfrm>
+              <a:prstGeom prst="flowChartAlternateProcess">
+                <a:avLst/>
+              </a:prstGeom>
+              <a:solidFill>
+                <a:schemeClr val="bg1">
+                  <a:lumMod val="65000"/>
+                </a:schemeClr>
+              </a:solidFill>
+            </p:spPr>
+            <p:style>
+              <a:lnRef idx="2">
+                <a:schemeClr val="accent1">
+                  <a:shade val="50000"/>
+                </a:schemeClr>
+              </a:lnRef>
+              <a:fillRef idx="1">
+                <a:schemeClr val="accent1"/>
+              </a:fillRef>
+              <a:effectRef idx="0">
+                <a:schemeClr val="accent1"/>
+              </a:effectRef>
+              <a:fontRef idx="minor">
+                <a:schemeClr val="lt1"/>
+              </a:fontRef>
+            </p:style>
+            <p:txBody>
+              <a:bodyPr rot="0" spcFirstLastPara="0" vert="horz" wrap="square" lIns="91440" tIns="45720" rIns="91440" bIns="45720" numCol="1" spcCol="0" rtlCol="0" fromWordArt="0" anchor="ctr" anchorCtr="0" forceAA="0" compatLnSpc="1">
+                <a:prstTxWarp prst="textNoShape">
+                  <a:avLst/>
+                </a:prstTxWarp>
+                <a:noAutofit/>
+              </a:bodyPr>
+              <a:lstStyle/>
+              <a:p>
+                <a:pPr algn="ctr">
+                  <a:lnSpc>
+                    <a:spcPct val="107000"/>
+                  </a:lnSpc>
+                  <a:spcAft>
+                    <a:spcPts val="800"/>
+                  </a:spcAft>
+                </a:pPr>
+                <a:r>
+                  <a:rPr lang="cs-CZ" sz="1600" b="1">
+                    <a:solidFill>
+                      <a:srgbClr val="FFD966"/>
+                    </a:solidFill>
+                    <a:effectLst/>
+                    <a:ea typeface="Calibri" panose="020F0502020204030204" pitchFamily="34" charset="0"/>
+                    <a:cs typeface="Times New Roman" panose="02020603050405020304" pitchFamily="18" charset="0"/>
+                  </a:rPr>
+                  <a:t>Web</a:t>
+                </a:r>
+                <a:endParaRPr lang="cs-CZ" sz="1100">
+                  <a:effectLst/>
+                  <a:ea typeface="Calibri" panose="020F0502020204030204" pitchFamily="34" charset="0"/>
+                  <a:cs typeface="Times New Roman" panose="02020603050405020304" pitchFamily="18" charset="0"/>
+                </a:endParaRPr>
+              </a:p>
+            </p:txBody>
+          </p:sp>
+          <p:sp>
+            <p:nvSpPr>
+              <p:cNvPr id="15" name="Vývojový diagram: alternativní postup 14"/>
+              <p:cNvSpPr/>
+              <p:nvPr/>
+            </p:nvSpPr>
+            <p:spPr>
+              <a:xfrm>
+                <a:off x="2981325" y="3276600"/>
+                <a:ext cx="1809750" cy="400050"/>
+              </a:xfrm>
+              <a:prstGeom prst="flowChartAlternateProcess">
+                <a:avLst/>
+              </a:prstGeom>
+              <a:solidFill>
+                <a:schemeClr val="bg1">
+                  <a:lumMod val="65000"/>
+                </a:schemeClr>
+              </a:solidFill>
+            </p:spPr>
+            <p:style>
+              <a:lnRef idx="2">
+                <a:schemeClr val="accent1">
+                  <a:shade val="50000"/>
+                </a:schemeClr>
+              </a:lnRef>
+              <a:fillRef idx="1">
+                <a:schemeClr val="accent1"/>
+              </a:fillRef>
+              <a:effectRef idx="0">
+                <a:schemeClr val="accent1"/>
+              </a:effectRef>
+              <a:fontRef idx="minor">
+                <a:schemeClr val="lt1"/>
+              </a:fontRef>
+            </p:style>
+            <p:txBody>
+              <a:bodyPr rot="0" spcFirstLastPara="0" vert="horz" wrap="square" lIns="91440" tIns="45720" rIns="91440" bIns="45720" numCol="1" spcCol="0" rtlCol="0" fromWordArt="0" anchor="ctr" anchorCtr="0" forceAA="0" compatLnSpc="1">
+                <a:prstTxWarp prst="textNoShape">
+                  <a:avLst/>
+                </a:prstTxWarp>
+                <a:noAutofit/>
+              </a:bodyPr>
+              <a:lstStyle/>
+              <a:p>
+                <a:pPr algn="ctr">
+                  <a:lnSpc>
+                    <a:spcPct val="107000"/>
+                  </a:lnSpc>
+                  <a:spcAft>
+                    <a:spcPts val="800"/>
+                  </a:spcAft>
+                </a:pPr>
+                <a:r>
+                  <a:rPr lang="cs-CZ" sz="1600" b="1">
+                    <a:solidFill>
+                      <a:srgbClr val="FFD966"/>
+                    </a:solidFill>
+                    <a:effectLst/>
+                    <a:ea typeface="Calibri" panose="020F0502020204030204" pitchFamily="34" charset="0"/>
+                    <a:cs typeface="Times New Roman" panose="02020603050405020304" pitchFamily="18" charset="0"/>
+                  </a:rPr>
+                  <a:t>Vizualizácia</a:t>
+                </a:r>
+                <a:endParaRPr lang="cs-CZ" sz="1100">
+                  <a:effectLst/>
+                  <a:ea typeface="Calibri" panose="020F0502020204030204" pitchFamily="34" charset="0"/>
+                  <a:cs typeface="Times New Roman" panose="02020603050405020304" pitchFamily="18" charset="0"/>
+                </a:endParaRPr>
+              </a:p>
+            </p:txBody>
+          </p:sp>
+          <p:grpSp>
+            <p:nvGrpSpPr>
+              <p:cNvPr id="16" name="Skupina 15"/>
+              <p:cNvGrpSpPr/>
+              <p:nvPr/>
+            </p:nvGrpSpPr>
+            <p:grpSpPr>
+              <a:xfrm>
+                <a:off x="914400" y="2409825"/>
+                <a:ext cx="3041968" cy="866775"/>
+                <a:chOff x="0" y="0"/>
+                <a:chExt cx="3041968" cy="545465"/>
+              </a:xfrm>
+            </p:grpSpPr>
+            <p:cxnSp>
+              <p:nvCxnSpPr>
+                <p:cNvPr id="19" name="Přímá spojnice se šipkou 3"/>
+                <p:cNvCxnSpPr/>
+                <p:nvPr/>
+              </p:nvCxnSpPr>
+              <p:spPr>
+                <a:xfrm rot="16200000" flipH="1" flipV="1">
+                  <a:off x="517843" y="-517843"/>
+                  <a:ext cx="545465" cy="1581151"/>
+                </a:xfrm>
+                <a:prstGeom prst="bentConnector3">
+                  <a:avLst>
+                    <a:gd name="adj1" fmla="val 47701"/>
+                  </a:avLst>
+                </a:prstGeom>
+                <a:ln w="25400">
+                  <a:solidFill>
+                    <a:schemeClr val="accent4">
+                      <a:lumMod val="60000"/>
+                      <a:lumOff val="40000"/>
+                    </a:schemeClr>
+                  </a:solidFill>
+                  <a:headEnd type="none" w="lg" len="lg"/>
+                  <a:tailEnd type="triangle" w="lg" len="lg"/>
+                </a:ln>
+              </p:spPr>
+              <p:style>
+                <a:lnRef idx="1">
+                  <a:schemeClr val="accent1"/>
+                </a:lnRef>
+                <a:fillRef idx="0">
+                  <a:schemeClr val="accent1"/>
+                </a:fillRef>
+                <a:effectRef idx="0">
+                  <a:schemeClr val="accent1"/>
+                </a:effectRef>
+                <a:fontRef idx="minor">
+                  <a:schemeClr val="tx1"/>
+                </a:fontRef>
+              </p:style>
+            </p:cxnSp>
+            <p:cxnSp>
+              <p:nvCxnSpPr>
+                <p:cNvPr id="20" name="Přímá spojnice se šipkou 3"/>
+                <p:cNvCxnSpPr/>
+                <p:nvPr/>
+              </p:nvCxnSpPr>
+              <p:spPr>
+                <a:xfrm rot="16200000" flipH="1">
+                  <a:off x="2051368" y="-460693"/>
+                  <a:ext cx="525145" cy="1456055"/>
+                </a:xfrm>
+                <a:prstGeom prst="bentConnector3">
+                  <a:avLst>
+                    <a:gd name="adj1" fmla="val 47701"/>
+                  </a:avLst>
+                </a:prstGeom>
+                <a:ln w="25400">
+                  <a:solidFill>
+                    <a:schemeClr val="accent4">
+                      <a:lumMod val="60000"/>
+                      <a:lumOff val="40000"/>
+                    </a:schemeClr>
+                  </a:solidFill>
+                  <a:headEnd type="none" w="lg" len="lg"/>
+                  <a:tailEnd type="triangle" w="lg" len="lg"/>
+                </a:ln>
+              </p:spPr>
+              <p:style>
+                <a:lnRef idx="1">
+                  <a:schemeClr val="accent1"/>
+                </a:lnRef>
+                <a:fillRef idx="0">
+                  <a:schemeClr val="accent1"/>
+                </a:fillRef>
+                <a:effectRef idx="0">
+                  <a:schemeClr val="accent1"/>
+                </a:effectRef>
+                <a:fontRef idx="minor">
+                  <a:schemeClr val="tx1"/>
+                </a:fontRef>
+              </p:style>
+            </p:cxnSp>
+          </p:grpSp>
+          <p:sp>
+            <p:nvSpPr>
+              <p:cNvPr id="17" name="Obdélník 16"/>
+              <p:cNvSpPr/>
+              <p:nvPr/>
+            </p:nvSpPr>
+            <p:spPr>
+              <a:xfrm>
+                <a:off x="3019425" y="2524125"/>
+                <a:ext cx="1362075" cy="352425"/>
+              </a:xfrm>
+              <a:prstGeom prst="rect">
+                <a:avLst/>
+              </a:prstGeom>
+              <a:noFill/>
+              <a:ln>
+                <a:noFill/>
+              </a:ln>
+            </p:spPr>
+            <p:style>
+              <a:lnRef idx="2">
+                <a:schemeClr val="accent1">
+                  <a:shade val="50000"/>
+                </a:schemeClr>
+              </a:lnRef>
+              <a:fillRef idx="1">
+                <a:schemeClr val="accent1"/>
+              </a:fillRef>
+              <a:effectRef idx="0">
+                <a:schemeClr val="accent1"/>
+              </a:effectRef>
+              <a:fontRef idx="minor">
+                <a:schemeClr val="lt1"/>
+              </a:fontRef>
+            </p:style>
+            <p:txBody>
+              <a:bodyPr rot="0" spcFirstLastPara="0" vert="horz" wrap="square" lIns="91440" tIns="45720" rIns="91440" bIns="45720" numCol="1" spcCol="0" rtlCol="0" fromWordArt="0" anchor="ctr" anchorCtr="0" forceAA="0" compatLnSpc="1">
+                <a:prstTxWarp prst="textNoShape">
+                  <a:avLst/>
+                </a:prstTxWarp>
+                <a:noAutofit/>
+              </a:bodyPr>
+              <a:lstStyle/>
+              <a:p>
+                <a:pPr algn="ctr">
+                  <a:lnSpc>
+                    <a:spcPct val="107000"/>
+                  </a:lnSpc>
+                  <a:spcAft>
+                    <a:spcPts val="800"/>
+                  </a:spcAft>
+                </a:pPr>
+                <a:r>
+                  <a:rPr lang="cs-CZ" sz="1400">
+                    <a:solidFill>
+                      <a:srgbClr val="000000"/>
+                    </a:solidFill>
+                    <a:effectLst/>
+                    <a:ea typeface="Calibri" panose="020F0502020204030204" pitchFamily="34" charset="0"/>
+                    <a:cs typeface="Times New Roman" panose="02020603050405020304" pitchFamily="18" charset="0"/>
+                  </a:rPr>
+                  <a:t>Google Charts</a:t>
+                </a:r>
+                <a:endParaRPr lang="cs-CZ" sz="1100">
+                  <a:effectLst/>
+                  <a:ea typeface="Calibri" panose="020F0502020204030204" pitchFamily="34" charset="0"/>
+                  <a:cs typeface="Times New Roman" panose="02020603050405020304" pitchFamily="18" charset="0"/>
+                </a:endParaRPr>
+              </a:p>
+            </p:txBody>
+          </p:sp>
+          <p:sp>
+            <p:nvSpPr>
+              <p:cNvPr id="18" name="Obdélník 17"/>
+              <p:cNvSpPr/>
+              <p:nvPr/>
+            </p:nvSpPr>
+            <p:spPr>
+              <a:xfrm>
+                <a:off x="619125" y="2524125"/>
+                <a:ext cx="1362075" cy="352425"/>
+              </a:xfrm>
+              <a:prstGeom prst="rect">
+                <a:avLst/>
+              </a:prstGeom>
+              <a:noFill/>
+              <a:ln>
+                <a:noFill/>
+              </a:ln>
+            </p:spPr>
+            <p:style>
+              <a:lnRef idx="2">
+                <a:schemeClr val="accent1">
+                  <a:shade val="50000"/>
+                </a:schemeClr>
+              </a:lnRef>
+              <a:fillRef idx="1">
+                <a:schemeClr val="accent1"/>
+              </a:fillRef>
+              <a:effectRef idx="0">
+                <a:schemeClr val="accent1"/>
+              </a:effectRef>
+              <a:fontRef idx="minor">
+                <a:schemeClr val="lt1"/>
+              </a:fontRef>
+            </p:style>
+            <p:txBody>
+              <a:bodyPr rot="0" spcFirstLastPara="0" vert="horz" wrap="square" lIns="91440" tIns="45720" rIns="91440" bIns="45720" numCol="1" spcCol="0" rtlCol="0" fromWordArt="0" anchor="ctr" anchorCtr="0" forceAA="0" compatLnSpc="1">
+                <a:prstTxWarp prst="textNoShape">
+                  <a:avLst/>
+                </a:prstTxWarp>
+                <a:noAutofit/>
+              </a:bodyPr>
+              <a:lstStyle/>
+              <a:p>
+                <a:pPr algn="ctr">
+                  <a:lnSpc>
+                    <a:spcPct val="107000"/>
+                  </a:lnSpc>
+                  <a:spcAft>
+                    <a:spcPts val="800"/>
+                  </a:spcAft>
+                </a:pPr>
+                <a:r>
+                  <a:rPr lang="cs-CZ" sz="1400">
+                    <a:solidFill>
+                      <a:srgbClr val="000000"/>
+                    </a:solidFill>
+                    <a:effectLst/>
+                    <a:ea typeface="Calibri" panose="020F0502020204030204" pitchFamily="34" charset="0"/>
+                    <a:cs typeface="Times New Roman" panose="02020603050405020304" pitchFamily="18" charset="0"/>
+                  </a:rPr>
+                  <a:t>Spring, Java</a:t>
+                </a:r>
+                <a:endParaRPr lang="cs-CZ" sz="1100">
+                  <a:effectLst/>
+                  <a:ea typeface="Calibri" panose="020F0502020204030204" pitchFamily="34" charset="0"/>
+                  <a:cs typeface="Times New Roman" panose="02020603050405020304" pitchFamily="18" charset="0"/>
+                </a:endParaRPr>
+              </a:p>
+            </p:txBody>
+          </p:sp>
+        </p:grpSp>
+        <p:cxnSp>
+          <p:nvCxnSpPr>
+            <p:cNvPr id="7" name="Přímá spojnice se šipkou 3"/>
+            <p:cNvCxnSpPr>
+              <a:endCxn id="9" idx="0"/>
+            </p:cNvCxnSpPr>
+            <p:nvPr/>
+          </p:nvCxnSpPr>
+          <p:spPr>
+            <a:xfrm>
+              <a:off x="2481263" y="404812"/>
+              <a:ext cx="4762" cy="566738"/>
+            </a:xfrm>
+            <a:prstGeom prst="straightConnector1">
+              <a:avLst/>
+            </a:prstGeom>
+            <a:ln w="25400">
+              <a:solidFill>
+                <a:schemeClr val="accent4">
+                  <a:lumMod val="60000"/>
+                  <a:lumOff val="40000"/>
+                </a:schemeClr>
+              </a:solidFill>
+              <a:headEnd type="none" w="lg" len="lg"/>
+              <a:tailEnd type="triangle" w="lg" len="lg"/>
+            </a:ln>
+          </p:spPr>
+          <p:style>
+            <a:lnRef idx="1">
+              <a:schemeClr val="accent1"/>
+            </a:lnRef>
+            <a:fillRef idx="0">
+              <a:schemeClr val="accent1"/>
+            </a:fillRef>
+            <a:effectRef idx="0">
+              <a:schemeClr val="accent1"/>
+            </a:effectRef>
+            <a:fontRef idx="minor">
+              <a:schemeClr val="tx1"/>
+            </a:fontRef>
+          </p:style>
+        </p:cxnSp>
+      </p:grpSp>
     </p:spTree>
     <p:extLst>
       <p:ext uri="{BB962C8B-B14F-4D97-AF65-F5344CB8AC3E}">
@@ -6981,6 +8644,13 @@
   <p:clrMapOvr>
     <a:masterClrMapping/>
   </p:clrMapOvr>
+  <p:timing>
+    <p:tnLst>
+      <p:par>
+        <p:cTn id="1" dur="indefinite" restart="never" nodeType="tmRoot"/>
+      </p:par>
+    </p:tnLst>
+  </p:timing>
 </p:sld>
 </file>
 
@@ -7017,10 +8687,10 @@
           <a:lstStyle/>
           <a:p>
             <a:r>
-              <a:rPr lang="sk-SK" smtClean="0"/>
-              <a:t>Web</a:t>
-            </a:r>
-            <a:endParaRPr lang="sk-SK"/>
+              <a:rPr lang="sk-SK" dirty="0" smtClean="0"/>
+              <a:t>Makroekonomické dáta</a:t>
+            </a:r>
+            <a:endParaRPr lang="sk-SK" dirty="0"/>
           </a:p>
         </p:txBody>
       </p:sp>
@@ -7039,26 +8709,307 @@
           <a:bodyPr/>
           <a:lstStyle/>
           <a:p>
-            <a:endParaRPr lang="sk-SK"/>
+            <a:r>
+              <a:rPr lang="cs-CZ" dirty="0" err="1" smtClean="0"/>
+              <a:t>Zber</a:t>
+            </a:r>
+            <a:r>
+              <a:rPr lang="cs-CZ" dirty="0" smtClean="0"/>
+              <a:t> dát z </a:t>
+            </a:r>
+            <a:r>
+              <a:rPr lang="cs-CZ" dirty="0" err="1" smtClean="0"/>
+              <a:t>viacerých</a:t>
+            </a:r>
+            <a:r>
+              <a:rPr lang="cs-CZ" dirty="0" smtClean="0"/>
+              <a:t> (internetových) </a:t>
+            </a:r>
+            <a:r>
+              <a:rPr lang="cs-CZ" dirty="0" err="1" smtClean="0"/>
+              <a:t>zdrojov</a:t>
+            </a:r>
+            <a:r>
+              <a:rPr lang="cs-CZ" dirty="0"/>
+              <a:t>:</a:t>
+            </a:r>
+            <a:endParaRPr lang="cs-CZ" dirty="0" smtClean="0"/>
+          </a:p>
+          <a:p>
+            <a:pPr lvl="1"/>
+            <a:r>
+              <a:rPr lang="cs-CZ" dirty="0" smtClean="0"/>
+              <a:t>GDP</a:t>
+            </a:r>
+            <a:endParaRPr lang="en-US" dirty="0" smtClean="0"/>
+          </a:p>
+          <a:p>
+            <a:pPr lvl="1"/>
+            <a:r>
+              <a:rPr lang="cs-CZ" dirty="0" smtClean="0"/>
+              <a:t>GDP </a:t>
+            </a:r>
+            <a:r>
+              <a:rPr lang="cs-CZ" dirty="0"/>
+              <a:t>per </a:t>
+            </a:r>
+            <a:r>
+              <a:rPr lang="cs-CZ" dirty="0" smtClean="0"/>
+              <a:t>capita</a:t>
+            </a:r>
+            <a:endParaRPr lang="en-US" dirty="0" smtClean="0"/>
+          </a:p>
+          <a:p>
+            <a:pPr lvl="1"/>
+            <a:r>
+              <a:rPr lang="cs-CZ" dirty="0" err="1" smtClean="0"/>
+              <a:t>Inflation</a:t>
+            </a:r>
+            <a:r>
+              <a:rPr lang="cs-CZ" dirty="0"/>
+              <a:t>, GDP </a:t>
+            </a:r>
+            <a:r>
+              <a:rPr lang="cs-CZ" dirty="0" err="1"/>
+              <a:t>deflator</a:t>
+            </a:r>
+            <a:r>
+              <a:rPr lang="cs-CZ" dirty="0"/>
+              <a:t> (</a:t>
+            </a:r>
+            <a:r>
+              <a:rPr lang="cs-CZ" dirty="0" err="1"/>
+              <a:t>annual</a:t>
+            </a:r>
+            <a:r>
+              <a:rPr lang="cs-CZ" dirty="0"/>
+              <a:t> </a:t>
+            </a:r>
+            <a:r>
+              <a:rPr lang="cs-CZ" dirty="0" smtClean="0"/>
+              <a:t>%)</a:t>
+            </a:r>
+            <a:endParaRPr lang="en-US" dirty="0" smtClean="0"/>
+          </a:p>
+          <a:p>
+            <a:pPr lvl="1"/>
+            <a:r>
+              <a:rPr lang="cs-CZ" dirty="0" err="1" smtClean="0"/>
+              <a:t>Unemployment</a:t>
+            </a:r>
+            <a:r>
+              <a:rPr lang="cs-CZ" dirty="0"/>
+              <a:t>, </a:t>
+            </a:r>
+            <a:r>
+              <a:rPr lang="cs-CZ" dirty="0" err="1"/>
+              <a:t>total</a:t>
+            </a:r>
+            <a:r>
+              <a:rPr lang="cs-CZ" dirty="0"/>
+              <a:t> (% </a:t>
+            </a:r>
+            <a:r>
+              <a:rPr lang="cs-CZ" dirty="0" err="1"/>
+              <a:t>of</a:t>
+            </a:r>
+            <a:r>
+              <a:rPr lang="cs-CZ" dirty="0"/>
+              <a:t> </a:t>
+            </a:r>
+            <a:r>
+              <a:rPr lang="cs-CZ" dirty="0" err="1"/>
+              <a:t>total</a:t>
+            </a:r>
+            <a:r>
+              <a:rPr lang="cs-CZ" dirty="0"/>
+              <a:t> </a:t>
+            </a:r>
+            <a:r>
+              <a:rPr lang="cs-CZ" dirty="0" err="1"/>
+              <a:t>labor</a:t>
+            </a:r>
+            <a:r>
+              <a:rPr lang="cs-CZ" dirty="0"/>
+              <a:t> </a:t>
+            </a:r>
+            <a:r>
+              <a:rPr lang="cs-CZ" dirty="0" err="1"/>
+              <a:t>force</a:t>
+            </a:r>
+            <a:r>
+              <a:rPr lang="cs-CZ" dirty="0" smtClean="0"/>
+              <a:t>)</a:t>
+            </a:r>
+            <a:endParaRPr lang="en-US" dirty="0"/>
+          </a:p>
+          <a:p>
+            <a:pPr lvl="1"/>
+            <a:r>
+              <a:rPr lang="cs-CZ" dirty="0" err="1" smtClean="0"/>
+              <a:t>Consumer</a:t>
+            </a:r>
+            <a:r>
+              <a:rPr lang="cs-CZ" dirty="0" smtClean="0"/>
+              <a:t> </a:t>
+            </a:r>
+            <a:r>
+              <a:rPr lang="cs-CZ" dirty="0" err="1"/>
+              <a:t>price</a:t>
+            </a:r>
+            <a:r>
+              <a:rPr lang="cs-CZ" dirty="0"/>
+              <a:t> </a:t>
+            </a:r>
+            <a:r>
+              <a:rPr lang="cs-CZ" dirty="0" smtClean="0"/>
+              <a:t>index</a:t>
+            </a:r>
+            <a:endParaRPr lang="en-US" dirty="0" smtClean="0"/>
+          </a:p>
+          <a:p>
+            <a:pPr lvl="1"/>
+            <a:r>
+              <a:rPr lang="cs-CZ" dirty="0" err="1" smtClean="0"/>
+              <a:t>Central</a:t>
+            </a:r>
+            <a:r>
+              <a:rPr lang="cs-CZ" dirty="0" smtClean="0"/>
+              <a:t> </a:t>
+            </a:r>
+            <a:r>
+              <a:rPr lang="cs-CZ" dirty="0" err="1"/>
+              <a:t>government</a:t>
+            </a:r>
+            <a:r>
+              <a:rPr lang="cs-CZ" dirty="0"/>
+              <a:t> </a:t>
+            </a:r>
+            <a:r>
+              <a:rPr lang="cs-CZ" dirty="0" err="1"/>
+              <a:t>debt</a:t>
+            </a:r>
+            <a:r>
+              <a:rPr lang="cs-CZ" dirty="0"/>
+              <a:t>, </a:t>
+            </a:r>
+            <a:r>
+              <a:rPr lang="cs-CZ" dirty="0" err="1"/>
+              <a:t>total</a:t>
+            </a:r>
+            <a:r>
+              <a:rPr lang="cs-CZ" dirty="0"/>
+              <a:t> (</a:t>
+            </a:r>
+            <a:r>
+              <a:rPr lang="cs-CZ" dirty="0" err="1"/>
+              <a:t>current</a:t>
+            </a:r>
+            <a:r>
+              <a:rPr lang="cs-CZ" dirty="0"/>
+              <a:t> LCU</a:t>
+            </a:r>
+            <a:r>
+              <a:rPr lang="cs-CZ" dirty="0" smtClean="0"/>
+              <a:t>)</a:t>
+            </a:r>
+            <a:endParaRPr lang="en-US" dirty="0" smtClean="0"/>
+          </a:p>
+          <a:p>
+            <a:pPr lvl="1"/>
+            <a:r>
+              <a:rPr lang="cs-CZ" dirty="0" err="1" smtClean="0"/>
+              <a:t>Central</a:t>
+            </a:r>
+            <a:r>
+              <a:rPr lang="cs-CZ" dirty="0" smtClean="0"/>
+              <a:t> </a:t>
+            </a:r>
+            <a:r>
+              <a:rPr lang="cs-CZ" dirty="0" err="1"/>
+              <a:t>government</a:t>
+            </a:r>
+            <a:r>
+              <a:rPr lang="cs-CZ" dirty="0"/>
+              <a:t> </a:t>
+            </a:r>
+            <a:r>
+              <a:rPr lang="cs-CZ" dirty="0" err="1"/>
+              <a:t>debt</a:t>
+            </a:r>
+            <a:r>
+              <a:rPr lang="cs-CZ" dirty="0"/>
+              <a:t>, </a:t>
+            </a:r>
+            <a:r>
+              <a:rPr lang="cs-CZ" dirty="0" err="1"/>
+              <a:t>total</a:t>
+            </a:r>
+            <a:r>
+              <a:rPr lang="cs-CZ" dirty="0"/>
+              <a:t> (% </a:t>
+            </a:r>
+            <a:r>
+              <a:rPr lang="cs-CZ" dirty="0" err="1"/>
+              <a:t>of</a:t>
+            </a:r>
+            <a:r>
+              <a:rPr lang="cs-CZ" dirty="0"/>
+              <a:t> GDP</a:t>
+            </a:r>
+            <a:r>
+              <a:rPr lang="cs-CZ" dirty="0" smtClean="0"/>
+              <a:t>)</a:t>
+            </a:r>
+            <a:endParaRPr lang="en-US" dirty="0" smtClean="0"/>
+          </a:p>
+          <a:p>
+            <a:pPr lvl="1"/>
+            <a:r>
+              <a:rPr lang="cs-CZ" dirty="0" smtClean="0"/>
+              <a:t>Big </a:t>
+            </a:r>
+            <a:r>
+              <a:rPr lang="cs-CZ" dirty="0"/>
+              <a:t>Mac index</a:t>
+            </a:r>
+            <a:endParaRPr lang="sk-SK" dirty="0"/>
           </a:p>
         </p:txBody>
       </p:sp>
     </p:spTree>
     <p:extLst>
       <p:ext uri="{BB962C8B-B14F-4D97-AF65-F5344CB8AC3E}">
-        <p14:creationId xmlns:p14="http://schemas.microsoft.com/office/powerpoint/2010/main" val="1432600951"/>
+        <p14:creationId xmlns:p14="http://schemas.microsoft.com/office/powerpoint/2010/main" val="1550692783"/>
       </p:ext>
     </p:extLst>
   </p:cSld>
   <p:clrMapOvr>
     <a:masterClrMapping/>
   </p:clrMapOvr>
+  <p:timing>
+    <p:tnLst>
+      <p:par>
+        <p:cTn id="1" dur="indefinite" restart="never" nodeType="tmRoot"/>
+      </p:par>
+    </p:tnLst>
+  </p:timing>
 </p:sld>
 </file>
 
 <file path=ppt/slides/slide7.xml><?xml version="1.0" encoding="utf-8"?>
 <p:sld xmlns:a="http://schemas.openxmlformats.org/drawingml/2006/main" xmlns:r="http://schemas.openxmlformats.org/officeDocument/2006/relationships" xmlns:p="http://schemas.openxmlformats.org/presentationml/2006/main">
   <p:cSld>
+    <p:bg>
+      <p:bgPr>
+        <a:solidFill>
+          <a:schemeClr val="accent1">
+            <a:alpha val="0"/>
+          </a:schemeClr>
+        </a:solidFill>
+        <a:effectLst/>
+      </p:bgPr>
+    </p:bg>
     <p:spTree>
       <p:nvGrpSpPr>
         <p:cNvPr id="1" name=""/>
@@ -7075,7 +9026,7 @@
       </p:grpSpPr>
       <p:sp>
         <p:nvSpPr>
-          <p:cNvPr id="2" name="Nadpis 1"/>
+          <p:cNvPr id="5" name="Nadpis 1"/>
           <p:cNvSpPr>
             <a:spLocks noGrp="1"/>
           </p:cNvSpPr>
@@ -7083,48 +9034,185 @@
             <p:ph type="title"/>
           </p:nvPr>
         </p:nvSpPr>
-        <p:spPr/>
-        <p:txBody>
-          <a:bodyPr/>
+        <p:spPr>
+          <a:xfrm>
+            <a:off x="609599" y="609600"/>
+            <a:ext cx="6347713" cy="659160"/>
+          </a:xfrm>
+        </p:spPr>
+        <p:txBody>
+          <a:bodyPr>
+            <a:normAutofit/>
+          </a:bodyPr>
           <a:lstStyle/>
           <a:p>
             <a:r>
-              <a:rPr lang="sk-SK" smtClean="0"/>
-              <a:t>Makroekonomické dáta</a:t>
-            </a:r>
-            <a:endParaRPr lang="sk-SK"/>
-          </a:p>
-        </p:txBody>
-      </p:sp>
-      <p:sp>
-        <p:nvSpPr>
-          <p:cNvPr id="3" name="Zástupný symbol obsahu 2"/>
-          <p:cNvSpPr>
-            <a:spLocks noGrp="1"/>
-          </p:cNvSpPr>
-          <p:nvPr>
-            <p:ph idx="1"/>
-          </p:nvPr>
-        </p:nvSpPr>
-        <p:spPr/>
-        <p:txBody>
-          <a:bodyPr/>
-          <a:lstStyle/>
-          <a:p>
-            <a:endParaRPr lang="sk-SK"/>
-          </a:p>
-        </p:txBody>
-      </p:sp>
+              <a:rPr lang="sk-SK" sz="3600" dirty="0" smtClean="0"/>
+              <a:t>Tvorba databáze</a:t>
+            </a:r>
+            <a:endParaRPr lang="sk-SK" sz="3600" dirty="0"/>
+          </a:p>
+        </p:txBody>
+      </p:sp>
+      <p:pic>
+        <p:nvPicPr>
+          <p:cNvPr id="6" name="Obrázek 5"/>
+          <p:cNvPicPr>
+            <a:picLocks noChangeAspect="1"/>
+          </p:cNvPicPr>
+          <p:nvPr/>
+        </p:nvPicPr>
+        <p:blipFill>
+          <a:blip r:embed="rId2">
+            <a:extLst>
+              <a:ext uri="{28A0092B-C50C-407E-A947-70E740481C1C}">
+                <a14:useLocalDpi xmlns:a14="http://schemas.microsoft.com/office/drawing/2010/main" val="0"/>
+              </a:ext>
+            </a:extLst>
+          </a:blip>
+          <a:stretch>
+            <a:fillRect/>
+          </a:stretch>
+        </p:blipFill>
+        <p:spPr>
+          <a:xfrm>
+            <a:off x="179512" y="1254304"/>
+            <a:ext cx="4629796" cy="1276528"/>
+          </a:xfrm>
+          <a:prstGeom prst="rect">
+            <a:avLst/>
+          </a:prstGeom>
+          <a:ln>
+            <a:noFill/>
+          </a:ln>
+          <a:effectLst>
+            <a:outerShdw blurRad="292100" dist="139700" dir="2700000" algn="tl" rotWithShape="0">
+              <a:srgbClr val="333333">
+                <a:alpha val="65000"/>
+              </a:srgbClr>
+            </a:outerShdw>
+          </a:effectLst>
+        </p:spPr>
+      </p:pic>
+      <p:pic>
+        <p:nvPicPr>
+          <p:cNvPr id="7" name="Obrázek 6"/>
+          <p:cNvPicPr>
+            <a:picLocks noChangeAspect="1"/>
+          </p:cNvPicPr>
+          <p:nvPr/>
+        </p:nvPicPr>
+        <p:blipFill>
+          <a:blip r:embed="rId3">
+            <a:extLst>
+              <a:ext uri="{28A0092B-C50C-407E-A947-70E740481C1C}">
+                <a14:useLocalDpi xmlns:a14="http://schemas.microsoft.com/office/drawing/2010/main" val="0"/>
+              </a:ext>
+            </a:extLst>
+          </a:blip>
+          <a:stretch>
+            <a:fillRect/>
+          </a:stretch>
+        </p:blipFill>
+        <p:spPr>
+          <a:xfrm>
+            <a:off x="3420777" y="1921476"/>
+            <a:ext cx="2777061" cy="1535421"/>
+          </a:xfrm>
+          <a:prstGeom prst="rect">
+            <a:avLst/>
+          </a:prstGeom>
+          <a:ln>
+            <a:noFill/>
+          </a:ln>
+          <a:effectLst>
+            <a:outerShdw blurRad="292100" dist="139700" dir="2700000" algn="tl" rotWithShape="0">
+              <a:srgbClr val="333333">
+                <a:alpha val="65000"/>
+              </a:srgbClr>
+            </a:outerShdw>
+          </a:effectLst>
+        </p:spPr>
+      </p:pic>
+      <p:cxnSp>
+        <p:nvCxnSpPr>
+          <p:cNvPr id="11" name="Pravoúhlá spojnice 10"/>
+          <p:cNvCxnSpPr/>
+          <p:nvPr/>
+        </p:nvCxnSpPr>
+        <p:spPr>
+          <a:xfrm rot="16200000" flipH="1">
+            <a:off x="1403648" y="2924944"/>
+            <a:ext cx="1584176" cy="1008112"/>
+          </a:xfrm>
+          <a:prstGeom prst="bentConnector3">
+            <a:avLst/>
+          </a:prstGeom>
+          <a:ln w="19050">
+            <a:tailEnd type="triangle"/>
+          </a:ln>
+        </p:spPr>
+        <p:style>
+          <a:lnRef idx="1">
+            <a:schemeClr val="accent1"/>
+          </a:lnRef>
+          <a:fillRef idx="0">
+            <a:schemeClr val="accent1"/>
+          </a:fillRef>
+          <a:effectRef idx="0">
+            <a:schemeClr val="accent1"/>
+          </a:effectRef>
+          <a:fontRef idx="minor">
+            <a:schemeClr val="tx1"/>
+          </a:fontRef>
+        </p:style>
+      </p:cxnSp>
+      <p:pic>
+        <p:nvPicPr>
+          <p:cNvPr id="13" name="Obrázek 12"/>
+          <p:cNvPicPr>
+            <a:picLocks noChangeAspect="1"/>
+          </p:cNvPicPr>
+          <p:nvPr/>
+        </p:nvPicPr>
+        <p:blipFill rotWithShape="1">
+          <a:blip r:embed="rId4">
+            <a:extLst>
+              <a:ext uri="{28A0092B-C50C-407E-A947-70E740481C1C}">
+                <a14:useLocalDpi xmlns:a14="http://schemas.microsoft.com/office/drawing/2010/main" val="0"/>
+              </a:ext>
+            </a:extLst>
+          </a:blip>
+          <a:srcRect l="1409" t="34650" b="38450"/>
+          <a:stretch/>
+        </p:blipFill>
+        <p:spPr>
+          <a:xfrm>
+            <a:off x="395536" y="4221088"/>
+            <a:ext cx="5364066" cy="2126169"/>
+          </a:xfrm>
+          <a:prstGeom prst="rect">
+            <a:avLst/>
+          </a:prstGeom>
+        </p:spPr>
+      </p:pic>
     </p:spTree>
     <p:extLst>
       <p:ext uri="{BB962C8B-B14F-4D97-AF65-F5344CB8AC3E}">
-        <p14:creationId xmlns:p14="http://schemas.microsoft.com/office/powerpoint/2010/main" val="1550692783"/>
+        <p14:creationId xmlns:p14="http://schemas.microsoft.com/office/powerpoint/2010/main" val="4231393039"/>
       </p:ext>
     </p:extLst>
   </p:cSld>
   <p:clrMapOvr>
     <a:masterClrMapping/>
   </p:clrMapOvr>
+  <p:timing>
+    <p:tnLst>
+      <p:par>
+        <p:cTn id="1" dur="indefinite" restart="never" nodeType="tmRoot"/>
+      </p:par>
+    </p:tnLst>
+  </p:timing>
 </p:sld>
 </file>
 
@@ -7199,6 +9287,68 @@
           </a:p>
         </p:txBody>
       </p:sp>
+      <p:pic>
+        <p:nvPicPr>
+          <p:cNvPr id="4" name="Shape 93"/>
+          <p:cNvPicPr preferRelativeResize="0"/>
+          <p:nvPr/>
+        </p:nvPicPr>
+        <p:blipFill rotWithShape="1">
+          <a:blip r:embed="rId2">
+            <a:alphaModFix/>
+          </a:blip>
+          <a:srcRect/>
+          <a:stretch/>
+        </p:blipFill>
+        <p:spPr>
+          <a:xfrm>
+            <a:off x="179512" y="3068960"/>
+            <a:ext cx="5041563" cy="1800200"/>
+          </a:xfrm>
+          <a:prstGeom prst="rect">
+            <a:avLst/>
+          </a:prstGeom>
+          <a:noFill/>
+          <a:ln>
+            <a:noFill/>
+          </a:ln>
+        </p:spPr>
+      </p:pic>
+      <p:pic>
+        <p:nvPicPr>
+          <p:cNvPr id="6" name="Shape 94"/>
+          <p:cNvPicPr preferRelativeResize="0"/>
+          <p:nvPr/>
+        </p:nvPicPr>
+        <p:blipFill rotWithShape="1">
+          <a:blip r:embed="rId3">
+            <a:alphaModFix/>
+          </a:blip>
+          <a:srcRect r="30927"/>
+          <a:stretch/>
+        </p:blipFill>
+        <p:spPr>
+          <a:xfrm>
+            <a:off x="2195736" y="4624315"/>
+            <a:ext cx="4693956" cy="2003149"/>
+          </a:xfrm>
+          <a:prstGeom prst="rect">
+            <a:avLst/>
+          </a:prstGeom>
+          <a:noFill/>
+          <a:ln>
+            <a:noFill/>
+          </a:ln>
+          <a:effectLst>
+            <a:glow rad="63500">
+              <a:schemeClr val="accent2">
+                <a:satMod val="175000"/>
+                <a:alpha val="40000"/>
+              </a:schemeClr>
+            </a:glow>
+          </a:effectLst>
+        </p:spPr>
+      </p:pic>
     </p:spTree>
     <p:extLst>
       <p:ext uri="{BB962C8B-B14F-4D97-AF65-F5344CB8AC3E}">
@@ -7253,11 +9403,7 @@
           <a:p>
             <a:r>
               <a:rPr lang="sk-SK"/>
-              <a:t>Prevod XML </a:t>
-            </a:r>
-            <a:r>
-              <a:rPr lang="sk-SK"/>
-              <a:t>do </a:t>
+              <a:t>Prevod XML do </a:t>
             </a:r>
             <a:r>
               <a:rPr lang="sk-SK" smtClean="0"/>
